--- a/Introduction to Bayesian Inference.pptx
+++ b/Introduction to Bayesian Inference.pptx
@@ -5,16 +5,21 @@
     <p:sldMasterId id="2147483725" r:id="rId1"/>
   </p:sldMasterIdLst>
   <p:notesMasterIdLst>
-    <p:notesMasterId r:id="rId9"/>
+    <p:notesMasterId r:id="rId14"/>
   </p:notesMasterIdLst>
   <p:sldIdLst>
     <p:sldId id="273" r:id="rId2"/>
     <p:sldId id="269" r:id="rId3"/>
     <p:sldId id="258" r:id="rId4"/>
-    <p:sldId id="272" r:id="rId5"/>
-    <p:sldId id="266" r:id="rId6"/>
-    <p:sldId id="271" r:id="rId7"/>
-    <p:sldId id="267" r:id="rId8"/>
+    <p:sldId id="274" r:id="rId5"/>
+    <p:sldId id="272" r:id="rId6"/>
+    <p:sldId id="266" r:id="rId7"/>
+    <p:sldId id="275" r:id="rId8"/>
+    <p:sldId id="271" r:id="rId9"/>
+    <p:sldId id="267" r:id="rId10"/>
+    <p:sldId id="276" r:id="rId11"/>
+    <p:sldId id="277" r:id="rId12"/>
+    <p:sldId id="278" r:id="rId13"/>
   </p:sldIdLst>
   <p:sldSz cx="12192000" cy="6858000"/>
   <p:notesSz cx="6858000" cy="9144000"/>
@@ -3344,7 +3349,7 @@
           <a:p>
             <a:fld id="{C9FDE73E-E92A-4F21-B6FB-A058BD64BA53}" type="datetimeFigureOut">
               <a:rPr lang="en-CA" smtClean="0"/>
-              <a:t>2020-09-12</a:t>
+              <a:t>2020-10-06</a:t>
             </a:fld>
             <a:endParaRPr lang="en-CA"/>
           </a:p>
@@ -3983,7 +3988,7 @@
           <a:p>
             <a:fld id="{DB4A7F89-1B99-4027-8BE7-8CD2B76CCB89}" type="slidenum">
               <a:rPr lang="en-CA" smtClean="0"/>
-              <a:t>4</a:t>
+              <a:t>5</a:t>
             </a:fld>
             <a:endParaRPr lang="en-CA"/>
           </a:p>
@@ -4048,15 +4053,16 @@
           <a:p>
             <a:r>
               <a:rPr lang="en-US" dirty="0"/>
-              <a:t>So each of the three elements are represented as probability distributions. And these are some examples that outline the relationships. It’s clear that the posterior (in black) changes shape depending on the relative strengths of our prior belief and the data that we collect. Here’s what I mean. In graph a., if you use an informative prior, meaning you have a pretty strong sense of what the outcome would look like, your updated belief will not sway too far from your prior belief. On the other hand, when you use a uniform prior, where every outcome is equally likely, your updated belief will just be exactly the same as your data because you had no preference. However, this </a:t>
+              <a:t>So each of the three elements are represented as probability distributions. And these are some examples that outline the relationships. It’s clear that the posterior (in black) changes shape depending on the relative strengths of our prior belief and the data that we collect. Here’s what I mean. In graph a., if you use an informative prior, meaning you have a pretty strong sense of what the outcome would look like, your updated belief will not sway too far from your prior belief. On the other hand, when you use a uniform prior, where every outcome is equally likely, your updated belief will just be exactly the same as your data because you had no preference. However, this type of prior would be avoided in research because even when you don’t really know what the result would be, intuitively you have a sense of which effects are just too extreme to be probable. </a:t>
             </a:r>
-            <a:r>
-              <a:rPr lang="en-US"/>
-              <a:t>type of prior </a:t>
-            </a:r>
+          </a:p>
+          <a:p>
+            <a:endParaRPr lang="en-US" dirty="0"/>
+          </a:p>
+          <a:p>
             <a:r>
               <a:rPr lang="en-US" dirty="0"/>
-              <a:t>would be avoided in research because even when you don’t really know what the result would be, intuitively you have a sense of which effects are just too extreme to be probable. </a:t>
+              <a:t>Uniform priors are actually used quite a lot in practice. Usually when you collect a ton of data, your prior ends up not mattering as much anymore. There’s been arguments that statistically, a uniform prior doesn’t make much sense. And there are some proposed solutions such as using a hierarchical model where we also learn the prior as well as the parameters. But the takeaway is just that the prior is important, but not so much if you have a lot of data. And uniform priors probably don’t make sense unless you really know nothing about the target domain, but they are widely used.</a:t>
             </a:r>
             <a:endParaRPr lang="en-GB" dirty="0"/>
           </a:p>
@@ -4079,7 +4085,7 @@
           <a:p>
             <a:fld id="{1E59B11D-1AB7-4118-9549-6E64FB4C92AA}" type="slidenum">
               <a:rPr lang="en-GB" smtClean="0"/>
-              <a:t>5</a:t>
+              <a:t>6</a:t>
             </a:fld>
             <a:endParaRPr lang="en-GB"/>
           </a:p>
@@ -4180,13 +4186,8 @@
             </a:pPr>
             <a:r>
               <a:rPr lang="en-US" dirty="0"/>
-              <a:t>4. Lastly, a very important distinction that we must make is between the concepts of confidence, and credible intervals (continue to </a:t>
+              <a:t>4. Lastly, a very important distinction that we must make is between the concepts of confidence, and credible intervals (continue to next slide)</a:t>
             </a:r>
-            <a:r>
-              <a:rPr lang="en-US"/>
-              <a:t>next slide)</a:t>
-            </a:r>
-            <a:endParaRPr lang="en-US" dirty="0"/>
           </a:p>
         </p:txBody>
       </p:sp>
@@ -4207,7 +4208,7 @@
           <a:p>
             <a:fld id="{DB4A7F89-1B99-4027-8BE7-8CD2B76CCB89}" type="slidenum">
               <a:rPr lang="en-CA" smtClean="0"/>
-              <a:t>6</a:t>
+              <a:t>8</a:t>
             </a:fld>
             <a:endParaRPr lang="en-CA"/>
           </a:p>
@@ -4295,7 +4296,7 @@
           <a:p>
             <a:fld id="{1E59B11D-1AB7-4118-9549-6E64FB4C92AA}" type="slidenum">
               <a:rPr lang="en-GB" smtClean="0"/>
-              <a:t>7</a:t>
+              <a:t>9</a:t>
             </a:fld>
             <a:endParaRPr lang="en-GB"/>
           </a:p>
@@ -4477,7 +4478,7 @@
           <a:p>
             <a:fld id="{4D19FD66-4EEC-4C2D-9459-7173A178AEE6}" type="datetimeFigureOut">
               <a:rPr lang="en-CA" smtClean="0"/>
-              <a:t>2020-09-12</a:t>
+              <a:t>2020-10-06</a:t>
             </a:fld>
             <a:endParaRPr lang="en-CA"/>
           </a:p>
@@ -4647,7 +4648,7 @@
           <a:p>
             <a:fld id="{4D19FD66-4EEC-4C2D-9459-7173A178AEE6}" type="datetimeFigureOut">
               <a:rPr lang="en-CA" smtClean="0"/>
-              <a:t>2020-09-12</a:t>
+              <a:t>2020-10-06</a:t>
             </a:fld>
             <a:endParaRPr lang="en-CA"/>
           </a:p>
@@ -4827,7 +4828,7 @@
           <a:p>
             <a:fld id="{4D19FD66-4EEC-4C2D-9459-7173A178AEE6}" type="datetimeFigureOut">
               <a:rPr lang="en-CA" smtClean="0"/>
-              <a:t>2020-09-12</a:t>
+              <a:t>2020-10-06</a:t>
             </a:fld>
             <a:endParaRPr lang="en-CA"/>
           </a:p>
@@ -4997,7 +4998,7 @@
           <a:p>
             <a:fld id="{4D19FD66-4EEC-4C2D-9459-7173A178AEE6}" type="datetimeFigureOut">
               <a:rPr lang="en-CA" smtClean="0"/>
-              <a:t>2020-09-12</a:t>
+              <a:t>2020-10-06</a:t>
             </a:fld>
             <a:endParaRPr lang="en-CA"/>
           </a:p>
@@ -5265,7 +5266,7 @@
           <a:p>
             <a:fld id="{4D19FD66-4EEC-4C2D-9459-7173A178AEE6}" type="datetimeFigureOut">
               <a:rPr lang="en-CA" smtClean="0"/>
-              <a:t>2020-09-12</a:t>
+              <a:t>2020-10-06</a:t>
             </a:fld>
             <a:endParaRPr lang="en-CA"/>
           </a:p>
@@ -5497,7 +5498,7 @@
           <a:p>
             <a:fld id="{4D19FD66-4EEC-4C2D-9459-7173A178AEE6}" type="datetimeFigureOut">
               <a:rPr lang="en-CA" smtClean="0"/>
-              <a:t>2020-09-12</a:t>
+              <a:t>2020-10-06</a:t>
             </a:fld>
             <a:endParaRPr lang="en-CA"/>
           </a:p>
@@ -5856,7 +5857,7 @@
           <a:p>
             <a:fld id="{4D19FD66-4EEC-4C2D-9459-7173A178AEE6}" type="datetimeFigureOut">
               <a:rPr lang="en-CA" smtClean="0"/>
-              <a:t>2020-09-12</a:t>
+              <a:t>2020-10-06</a:t>
             </a:fld>
             <a:endParaRPr lang="en-CA"/>
           </a:p>
@@ -5997,7 +5998,7 @@
           <a:p>
             <a:fld id="{4D19FD66-4EEC-4C2D-9459-7173A178AEE6}" type="datetimeFigureOut">
               <a:rPr lang="en-CA" smtClean="0"/>
-              <a:t>2020-09-12</a:t>
+              <a:t>2020-10-06</a:t>
             </a:fld>
             <a:endParaRPr lang="en-CA"/>
           </a:p>
@@ -6092,7 +6093,7 @@
           <a:p>
             <a:fld id="{4D19FD66-4EEC-4C2D-9459-7173A178AEE6}" type="datetimeFigureOut">
               <a:rPr lang="en-CA" smtClean="0"/>
-              <a:t>2020-09-12</a:t>
+              <a:t>2020-10-06</a:t>
             </a:fld>
             <a:endParaRPr lang="en-CA"/>
           </a:p>
@@ -6449,7 +6450,7 @@
           <a:p>
             <a:fld id="{4D19FD66-4EEC-4C2D-9459-7173A178AEE6}" type="datetimeFigureOut">
               <a:rPr lang="en-CA" smtClean="0"/>
-              <a:t>2020-09-12</a:t>
+              <a:t>2020-10-06</a:t>
             </a:fld>
             <a:endParaRPr lang="en-CA"/>
           </a:p>
@@ -6806,7 +6807,7 @@
           <a:p>
             <a:fld id="{4D19FD66-4EEC-4C2D-9459-7173A178AEE6}" type="datetimeFigureOut">
               <a:rPr lang="en-CA" smtClean="0"/>
-              <a:t>2020-09-12</a:t>
+              <a:t>2020-10-06</a:t>
             </a:fld>
             <a:endParaRPr lang="en-CA"/>
           </a:p>
@@ -7048,7 +7049,7 @@
           <a:p>
             <a:fld id="{4D19FD66-4EEC-4C2D-9459-7173A178AEE6}" type="datetimeFigureOut">
               <a:rPr lang="en-CA" smtClean="0"/>
-              <a:t>2020-09-12</a:t>
+              <a:t>2020-10-06</a:t>
             </a:fld>
             <a:endParaRPr lang="en-CA"/>
           </a:p>
@@ -7624,6 +7625,3440 @@
 </p:sld>
 </file>
 
+<file path=ppt/slides/slide10.xml><?xml version="1.0" encoding="utf-8"?>
+<p:sld xmlns:a="http://schemas.openxmlformats.org/drawingml/2006/main" xmlns:r="http://schemas.openxmlformats.org/officeDocument/2006/relationships" xmlns:p="http://schemas.openxmlformats.org/presentationml/2006/main">
+  <p:cSld>
+    <p:spTree>
+      <p:nvGrpSpPr>
+        <p:cNvPr id="1" name=""/>
+        <p:cNvGrpSpPr/>
+        <p:nvPr/>
+      </p:nvGrpSpPr>
+      <p:grpSpPr>
+        <a:xfrm>
+          <a:off x="0" y="0"/>
+          <a:ext cx="0" cy="0"/>
+          <a:chOff x="0" y="0"/>
+          <a:chExt cx="0" cy="0"/>
+        </a:xfrm>
+      </p:grpSpPr>
+      <p:sp>
+        <p:nvSpPr>
+          <p:cNvPr id="2" name="Title 1">
+            <a:extLst>
+              <a:ext uri="{FF2B5EF4-FFF2-40B4-BE49-F238E27FC236}">
+                <a16:creationId xmlns:a16="http://schemas.microsoft.com/office/drawing/2014/main" id="{D69AC71E-943A-4A95-96FA-42FFA8410A6D}"/>
+              </a:ext>
+            </a:extLst>
+          </p:cNvPr>
+          <p:cNvSpPr>
+            <a:spLocks noGrp="1"/>
+          </p:cNvSpPr>
+          <p:nvPr>
+            <p:ph type="title"/>
+          </p:nvPr>
+        </p:nvSpPr>
+        <p:spPr>
+          <a:xfrm>
+            <a:off x="2231136" y="207947"/>
+            <a:ext cx="7729728" cy="1188720"/>
+          </a:xfrm>
+        </p:spPr>
+        <p:txBody>
+          <a:bodyPr/>
+          <a:lstStyle/>
+          <a:p>
+            <a:r>
+              <a:rPr lang="en-CA" dirty="0"/>
+              <a:t>Understanding check</a:t>
+            </a:r>
+          </a:p>
+        </p:txBody>
+      </p:sp>
+      <p:sp>
+        <p:nvSpPr>
+          <p:cNvPr id="3" name="Content Placeholder 2">
+            <a:extLst>
+              <a:ext uri="{FF2B5EF4-FFF2-40B4-BE49-F238E27FC236}">
+                <a16:creationId xmlns:a16="http://schemas.microsoft.com/office/drawing/2014/main" id="{FBF705BD-67B0-43A0-8624-75233E185CBA}"/>
+              </a:ext>
+            </a:extLst>
+          </p:cNvPr>
+          <p:cNvSpPr>
+            <a:spLocks noGrp="1"/>
+          </p:cNvSpPr>
+          <p:nvPr>
+            <p:ph idx="1"/>
+          </p:nvPr>
+        </p:nvSpPr>
+        <p:spPr>
+          <a:xfrm>
+            <a:off x="2231136" y="1396667"/>
+            <a:ext cx="7729728" cy="863057"/>
+          </a:xfrm>
+        </p:spPr>
+        <p:txBody>
+          <a:bodyPr/>
+          <a:lstStyle/>
+          <a:p>
+            <a:r>
+              <a:rPr lang="en-CA" dirty="0"/>
+              <a:t>Find an 80% credible and confidence interval for diseases based on first symptom. (Parameter = Disease, Data = Symptom)</a:t>
+            </a:r>
+          </a:p>
+        </p:txBody>
+      </p:sp>
+      <p:graphicFrame>
+        <p:nvGraphicFramePr>
+          <p:cNvPr id="4" name="Table 4">
+            <a:extLst>
+              <a:ext uri="{FF2B5EF4-FFF2-40B4-BE49-F238E27FC236}">
+                <a16:creationId xmlns:a16="http://schemas.microsoft.com/office/drawing/2014/main" id="{738787FF-C31F-4B8D-924A-369483C0B310}"/>
+              </a:ext>
+            </a:extLst>
+          </p:cNvPr>
+          <p:cNvGraphicFramePr>
+            <a:graphicFrameLocks noGrp="1"/>
+          </p:cNvGraphicFramePr>
+          <p:nvPr>
+            <p:extLst>
+              <p:ext uri="{D42A27DB-BD31-4B8C-83A1-F6EECF244321}">
+                <p14:modId xmlns:p14="http://schemas.microsoft.com/office/powerpoint/2010/main" val="36292337"/>
+              </p:ext>
+            </p:extLst>
+          </p:nvPr>
+        </p:nvGraphicFramePr>
+        <p:xfrm>
+          <a:off x="161158" y="2474837"/>
+          <a:ext cx="8128000" cy="2123440"/>
+        </p:xfrm>
+        <a:graphic>
+          <a:graphicData uri="http://schemas.openxmlformats.org/drawingml/2006/table">
+            <a:tbl>
+              <a:tblPr firstRow="1" bandRow="1">
+                <a:tableStyleId>{5C22544A-7EE6-4342-B048-85BDC9FD1C3A}</a:tableStyleId>
+              </a:tblPr>
+              <a:tblGrid>
+                <a:gridCol w="1625600">
+                  <a:extLst>
+                    <a:ext uri="{9D8B030D-6E8A-4147-A177-3AD203B41FA5}">
+                      <a16:colId xmlns:a16="http://schemas.microsoft.com/office/drawing/2014/main" val="954395992"/>
+                    </a:ext>
+                  </a:extLst>
+                </a:gridCol>
+                <a:gridCol w="1625600">
+                  <a:extLst>
+                    <a:ext uri="{9D8B030D-6E8A-4147-A177-3AD203B41FA5}">
+                      <a16:colId xmlns:a16="http://schemas.microsoft.com/office/drawing/2014/main" val="3334094748"/>
+                    </a:ext>
+                  </a:extLst>
+                </a:gridCol>
+                <a:gridCol w="1625600">
+                  <a:extLst>
+                    <a:ext uri="{9D8B030D-6E8A-4147-A177-3AD203B41FA5}">
+                      <a16:colId xmlns:a16="http://schemas.microsoft.com/office/drawing/2014/main" val="3538566938"/>
+                    </a:ext>
+                  </a:extLst>
+                </a:gridCol>
+                <a:gridCol w="1625600">
+                  <a:extLst>
+                    <a:ext uri="{9D8B030D-6E8A-4147-A177-3AD203B41FA5}">
+                      <a16:colId xmlns:a16="http://schemas.microsoft.com/office/drawing/2014/main" val="3400876240"/>
+                    </a:ext>
+                  </a:extLst>
+                </a:gridCol>
+                <a:gridCol w="1625600">
+                  <a:extLst>
+                    <a:ext uri="{9D8B030D-6E8A-4147-A177-3AD203B41FA5}">
+                      <a16:colId xmlns:a16="http://schemas.microsoft.com/office/drawing/2014/main" val="1577969233"/>
+                    </a:ext>
+                  </a:extLst>
+                </a:gridCol>
+              </a:tblGrid>
+              <a:tr h="370840">
+                <a:tc>
+                  <a:txBody>
+                    <a:bodyPr/>
+                    <a:lstStyle/>
+                    <a:p>
+                      <a:endParaRPr lang="en-CA" dirty="0"/>
+                    </a:p>
+                  </a:txBody>
+                  <a:tcPr/>
+                </a:tc>
+                <a:tc>
+                  <a:txBody>
+                    <a:bodyPr/>
+                    <a:lstStyle/>
+                    <a:p>
+                      <a:r>
+                        <a:rPr lang="en-CA" dirty="0"/>
+                        <a:t>Cold</a:t>
+                      </a:r>
+                    </a:p>
+                  </a:txBody>
+                  <a:tcPr/>
+                </a:tc>
+                <a:tc>
+                  <a:txBody>
+                    <a:bodyPr/>
+                    <a:lstStyle/>
+                    <a:p>
+                      <a:r>
+                        <a:rPr lang="en-CA" dirty="0"/>
+                        <a:t>Flu</a:t>
+                      </a:r>
+                    </a:p>
+                  </a:txBody>
+                  <a:tcPr/>
+                </a:tc>
+                <a:tc>
+                  <a:txBody>
+                    <a:bodyPr/>
+                    <a:lstStyle/>
+                    <a:p>
+                      <a:r>
+                        <a:rPr lang="en-CA" dirty="0"/>
+                        <a:t>Food Poisoning</a:t>
+                      </a:r>
+                    </a:p>
+                  </a:txBody>
+                  <a:tcPr/>
+                </a:tc>
+                <a:tc>
+                  <a:txBody>
+                    <a:bodyPr/>
+                    <a:lstStyle/>
+                    <a:p>
+                      <a:r>
+                        <a:rPr lang="en-CA" dirty="0"/>
+                        <a:t>Malaria</a:t>
+                      </a:r>
+                    </a:p>
+                  </a:txBody>
+                  <a:tcPr/>
+                </a:tc>
+                <a:extLst>
+                  <a:ext uri="{0D108BD9-81ED-4DB2-BD59-A6C34878D82A}">
+                    <a16:rowId xmlns:a16="http://schemas.microsoft.com/office/drawing/2014/main" val="944310692"/>
+                  </a:ext>
+                </a:extLst>
+              </a:tr>
+              <a:tr h="370840">
+                <a:tc>
+                  <a:txBody>
+                    <a:bodyPr/>
+                    <a:lstStyle/>
+                    <a:p>
+                      <a:r>
+                        <a:rPr lang="en-CA" dirty="0"/>
+                        <a:t>Fever</a:t>
+                      </a:r>
+                    </a:p>
+                  </a:txBody>
+                  <a:tcPr/>
+                </a:tc>
+                <a:tc>
+                  <a:txBody>
+                    <a:bodyPr/>
+                    <a:lstStyle/>
+                    <a:p>
+                      <a:r>
+                        <a:rPr lang="en-CA" dirty="0"/>
+                        <a:t>10%</a:t>
+                      </a:r>
+                    </a:p>
+                  </a:txBody>
+                  <a:tcPr/>
+                </a:tc>
+                <a:tc>
+                  <a:txBody>
+                    <a:bodyPr/>
+                    <a:lstStyle/>
+                    <a:p>
+                      <a:r>
+                        <a:rPr lang="en-CA" dirty="0"/>
+                        <a:t>80%</a:t>
+                      </a:r>
+                    </a:p>
+                  </a:txBody>
+                  <a:tcPr/>
+                </a:tc>
+                <a:tc>
+                  <a:txBody>
+                    <a:bodyPr/>
+                    <a:lstStyle/>
+                    <a:p>
+                      <a:r>
+                        <a:rPr lang="en-CA" dirty="0"/>
+                        <a:t>10%</a:t>
+                      </a:r>
+                    </a:p>
+                  </a:txBody>
+                  <a:tcPr/>
+                </a:tc>
+                <a:tc>
+                  <a:txBody>
+                    <a:bodyPr/>
+                    <a:lstStyle/>
+                    <a:p>
+                      <a:r>
+                        <a:rPr lang="en-CA" dirty="0"/>
+                        <a:t>38%</a:t>
+                      </a:r>
+                    </a:p>
+                  </a:txBody>
+                  <a:tcPr/>
+                </a:tc>
+                <a:extLst>
+                  <a:ext uri="{0D108BD9-81ED-4DB2-BD59-A6C34878D82A}">
+                    <a16:rowId xmlns:a16="http://schemas.microsoft.com/office/drawing/2014/main" val="4151407985"/>
+                  </a:ext>
+                </a:extLst>
+              </a:tr>
+              <a:tr h="370840">
+                <a:tc>
+                  <a:txBody>
+                    <a:bodyPr/>
+                    <a:lstStyle/>
+                    <a:p>
+                      <a:r>
+                        <a:rPr lang="en-CA" dirty="0"/>
+                        <a:t>Headache</a:t>
+                      </a:r>
+                    </a:p>
+                  </a:txBody>
+                  <a:tcPr/>
+                </a:tc>
+                <a:tc>
+                  <a:txBody>
+                    <a:bodyPr/>
+                    <a:lstStyle/>
+                    <a:p>
+                      <a:r>
+                        <a:rPr lang="en-CA" dirty="0"/>
+                        <a:t>68%</a:t>
+                      </a:r>
+                    </a:p>
+                  </a:txBody>
+                  <a:tcPr/>
+                </a:tc>
+                <a:tc>
+                  <a:txBody>
+                    <a:bodyPr/>
+                    <a:lstStyle/>
+                    <a:p>
+                      <a:r>
+                        <a:rPr lang="en-CA" dirty="0"/>
+                        <a:t>10%</a:t>
+                      </a:r>
+                    </a:p>
+                  </a:txBody>
+                  <a:tcPr/>
+                </a:tc>
+                <a:tc>
+                  <a:txBody>
+                    <a:bodyPr/>
+                    <a:lstStyle/>
+                    <a:p>
+                      <a:r>
+                        <a:rPr lang="en-CA" dirty="0"/>
+                        <a:t>10%</a:t>
+                      </a:r>
+                    </a:p>
+                  </a:txBody>
+                  <a:tcPr/>
+                </a:tc>
+                <a:tc>
+                  <a:txBody>
+                    <a:bodyPr/>
+                    <a:lstStyle/>
+                    <a:p>
+                      <a:r>
+                        <a:rPr lang="en-CA" dirty="0"/>
+                        <a:t>12%</a:t>
+                      </a:r>
+                    </a:p>
+                  </a:txBody>
+                  <a:tcPr/>
+                </a:tc>
+                <a:extLst>
+                  <a:ext uri="{0D108BD9-81ED-4DB2-BD59-A6C34878D82A}">
+                    <a16:rowId xmlns:a16="http://schemas.microsoft.com/office/drawing/2014/main" val="949521255"/>
+                  </a:ext>
+                </a:extLst>
+              </a:tr>
+              <a:tr h="370840">
+                <a:tc>
+                  <a:txBody>
+                    <a:bodyPr/>
+                    <a:lstStyle/>
+                    <a:p>
+                      <a:r>
+                        <a:rPr lang="en-CA" dirty="0"/>
+                        <a:t>Joint Pain</a:t>
+                      </a:r>
+                    </a:p>
+                  </a:txBody>
+                  <a:tcPr/>
+                </a:tc>
+                <a:tc>
+                  <a:txBody>
+                    <a:bodyPr/>
+                    <a:lstStyle/>
+                    <a:p>
+                      <a:r>
+                        <a:rPr lang="en-CA" dirty="0"/>
+                        <a:t>18%</a:t>
+                      </a:r>
+                    </a:p>
+                  </a:txBody>
+                  <a:tcPr/>
+                </a:tc>
+                <a:tc>
+                  <a:txBody>
+                    <a:bodyPr/>
+                    <a:lstStyle/>
+                    <a:p>
+                      <a:r>
+                        <a:rPr lang="en-CA" dirty="0"/>
+                        <a:t>10%</a:t>
+                      </a:r>
+                    </a:p>
+                  </a:txBody>
+                  <a:tcPr/>
+                </a:tc>
+                <a:tc>
+                  <a:txBody>
+                    <a:bodyPr/>
+                    <a:lstStyle/>
+                    <a:p>
+                      <a:r>
+                        <a:rPr lang="en-CA" dirty="0"/>
+                        <a:t>20%</a:t>
+                      </a:r>
+                    </a:p>
+                  </a:txBody>
+                  <a:tcPr/>
+                </a:tc>
+                <a:tc>
+                  <a:txBody>
+                    <a:bodyPr/>
+                    <a:lstStyle/>
+                    <a:p>
+                      <a:r>
+                        <a:rPr lang="en-CA" dirty="0"/>
+                        <a:t>50%</a:t>
+                      </a:r>
+                    </a:p>
+                  </a:txBody>
+                  <a:tcPr/>
+                </a:tc>
+                <a:extLst>
+                  <a:ext uri="{0D108BD9-81ED-4DB2-BD59-A6C34878D82A}">
+                    <a16:rowId xmlns:a16="http://schemas.microsoft.com/office/drawing/2014/main" val="531121261"/>
+                  </a:ext>
+                </a:extLst>
+              </a:tr>
+              <a:tr h="370840">
+                <a:tc>
+                  <a:txBody>
+                    <a:bodyPr/>
+                    <a:lstStyle/>
+                    <a:p>
+                      <a:r>
+                        <a:rPr lang="en-CA" dirty="0"/>
+                        <a:t>Nausea</a:t>
+                      </a:r>
+                    </a:p>
+                  </a:txBody>
+                  <a:tcPr/>
+                </a:tc>
+                <a:tc>
+                  <a:txBody>
+                    <a:bodyPr/>
+                    <a:lstStyle/>
+                    <a:p>
+                      <a:r>
+                        <a:rPr lang="en-CA" dirty="0"/>
+                        <a:t>4%</a:t>
+                      </a:r>
+                    </a:p>
+                  </a:txBody>
+                  <a:tcPr/>
+                </a:tc>
+                <a:tc>
+                  <a:txBody>
+                    <a:bodyPr/>
+                    <a:lstStyle/>
+                    <a:p>
+                      <a:r>
+                        <a:rPr lang="en-CA" dirty="0"/>
+                        <a:t>0%</a:t>
+                      </a:r>
+                    </a:p>
+                  </a:txBody>
+                  <a:tcPr/>
+                </a:tc>
+                <a:tc>
+                  <a:txBody>
+                    <a:bodyPr/>
+                    <a:lstStyle/>
+                    <a:p>
+                      <a:r>
+                        <a:rPr lang="en-CA" dirty="0"/>
+                        <a:t>60%</a:t>
+                      </a:r>
+                    </a:p>
+                  </a:txBody>
+                  <a:tcPr/>
+                </a:tc>
+                <a:tc>
+                  <a:txBody>
+                    <a:bodyPr/>
+                    <a:lstStyle/>
+                    <a:p>
+                      <a:r>
+                        <a:rPr lang="en-CA" dirty="0"/>
+                        <a:t>0%</a:t>
+                      </a:r>
+                    </a:p>
+                  </a:txBody>
+                  <a:tcPr/>
+                </a:tc>
+                <a:extLst>
+                  <a:ext uri="{0D108BD9-81ED-4DB2-BD59-A6C34878D82A}">
+                    <a16:rowId xmlns:a16="http://schemas.microsoft.com/office/drawing/2014/main" val="1467571143"/>
+                  </a:ext>
+                </a:extLst>
+              </a:tr>
+            </a:tbl>
+          </a:graphicData>
+        </a:graphic>
+      </p:graphicFrame>
+      <p:sp>
+        <p:nvSpPr>
+          <p:cNvPr id="6" name="Rectangle 5">
+            <a:extLst>
+              <a:ext uri="{FF2B5EF4-FFF2-40B4-BE49-F238E27FC236}">
+                <a16:creationId xmlns:a16="http://schemas.microsoft.com/office/drawing/2014/main" id="{B226F2D2-B71C-43E2-909E-BB64609E4A30}"/>
+              </a:ext>
+            </a:extLst>
+          </p:cNvPr>
+          <p:cNvSpPr/>
+          <p:nvPr/>
+        </p:nvSpPr>
+        <p:spPr>
+          <a:xfrm>
+            <a:off x="161158" y="1997949"/>
+            <a:ext cx="6096000" cy="369332"/>
+          </a:xfrm>
+          <a:prstGeom prst="rect">
+            <a:avLst/>
+          </a:prstGeom>
+        </p:spPr>
+        <p:txBody>
+          <a:bodyPr>
+            <a:spAutoFit/>
+          </a:bodyPr>
+          <a:lstStyle/>
+          <a:p>
+            <a:r>
+              <a:rPr lang="en-CA" dirty="0"/>
+              <a:t>Normalized based on disease (columns add up to 100%)</a:t>
+            </a:r>
+          </a:p>
+        </p:txBody>
+      </p:sp>
+      <p:graphicFrame>
+        <p:nvGraphicFramePr>
+          <p:cNvPr id="7" name="Table 4">
+            <a:extLst>
+              <a:ext uri="{FF2B5EF4-FFF2-40B4-BE49-F238E27FC236}">
+                <a16:creationId xmlns:a16="http://schemas.microsoft.com/office/drawing/2014/main" id="{D5B738FA-A821-48C7-A680-6CEE11236738}"/>
+              </a:ext>
+            </a:extLst>
+          </p:cNvPr>
+          <p:cNvGraphicFramePr>
+            <a:graphicFrameLocks noGrp="1"/>
+          </p:cNvGraphicFramePr>
+          <p:nvPr>
+            <p:extLst>
+              <p:ext uri="{D42A27DB-BD31-4B8C-83A1-F6EECF244321}">
+                <p14:modId xmlns:p14="http://schemas.microsoft.com/office/powerpoint/2010/main" val="2684034398"/>
+              </p:ext>
+            </p:extLst>
+          </p:nvPr>
+        </p:nvGraphicFramePr>
+        <p:xfrm>
+          <a:off x="3540233" y="4705833"/>
+          <a:ext cx="8128000" cy="2123440"/>
+        </p:xfrm>
+        <a:graphic>
+          <a:graphicData uri="http://schemas.openxmlformats.org/drawingml/2006/table">
+            <a:tbl>
+              <a:tblPr firstRow="1" bandRow="1">
+                <a:tableStyleId>{21E4AEA4-8DFA-4A89-87EB-49C32662AFE0}</a:tableStyleId>
+              </a:tblPr>
+              <a:tblGrid>
+                <a:gridCol w="1625600">
+                  <a:extLst>
+                    <a:ext uri="{9D8B030D-6E8A-4147-A177-3AD203B41FA5}">
+                      <a16:colId xmlns:a16="http://schemas.microsoft.com/office/drawing/2014/main" val="954395992"/>
+                    </a:ext>
+                  </a:extLst>
+                </a:gridCol>
+                <a:gridCol w="1625600">
+                  <a:extLst>
+                    <a:ext uri="{9D8B030D-6E8A-4147-A177-3AD203B41FA5}">
+                      <a16:colId xmlns:a16="http://schemas.microsoft.com/office/drawing/2014/main" val="3334094748"/>
+                    </a:ext>
+                  </a:extLst>
+                </a:gridCol>
+                <a:gridCol w="1625600">
+                  <a:extLst>
+                    <a:ext uri="{9D8B030D-6E8A-4147-A177-3AD203B41FA5}">
+                      <a16:colId xmlns:a16="http://schemas.microsoft.com/office/drawing/2014/main" val="3538566938"/>
+                    </a:ext>
+                  </a:extLst>
+                </a:gridCol>
+                <a:gridCol w="1625600">
+                  <a:extLst>
+                    <a:ext uri="{9D8B030D-6E8A-4147-A177-3AD203B41FA5}">
+                      <a16:colId xmlns:a16="http://schemas.microsoft.com/office/drawing/2014/main" val="3400876240"/>
+                    </a:ext>
+                  </a:extLst>
+                </a:gridCol>
+                <a:gridCol w="1625600">
+                  <a:extLst>
+                    <a:ext uri="{9D8B030D-6E8A-4147-A177-3AD203B41FA5}">
+                      <a16:colId xmlns:a16="http://schemas.microsoft.com/office/drawing/2014/main" val="1577969233"/>
+                    </a:ext>
+                  </a:extLst>
+                </a:gridCol>
+              </a:tblGrid>
+              <a:tr h="370840">
+                <a:tc>
+                  <a:txBody>
+                    <a:bodyPr/>
+                    <a:lstStyle/>
+                    <a:p>
+                      <a:endParaRPr lang="en-CA" dirty="0"/>
+                    </a:p>
+                  </a:txBody>
+                  <a:tcPr/>
+                </a:tc>
+                <a:tc>
+                  <a:txBody>
+                    <a:bodyPr/>
+                    <a:lstStyle/>
+                    <a:p>
+                      <a:r>
+                        <a:rPr lang="en-CA" dirty="0"/>
+                        <a:t>Cold</a:t>
+                      </a:r>
+                    </a:p>
+                  </a:txBody>
+                  <a:tcPr/>
+                </a:tc>
+                <a:tc>
+                  <a:txBody>
+                    <a:bodyPr/>
+                    <a:lstStyle/>
+                    <a:p>
+                      <a:r>
+                        <a:rPr lang="en-CA" dirty="0"/>
+                        <a:t>Flu</a:t>
+                      </a:r>
+                    </a:p>
+                  </a:txBody>
+                  <a:tcPr/>
+                </a:tc>
+                <a:tc>
+                  <a:txBody>
+                    <a:bodyPr/>
+                    <a:lstStyle/>
+                    <a:p>
+                      <a:r>
+                        <a:rPr lang="en-CA" dirty="0"/>
+                        <a:t>Food Poisoning</a:t>
+                      </a:r>
+                    </a:p>
+                  </a:txBody>
+                  <a:tcPr/>
+                </a:tc>
+                <a:tc>
+                  <a:txBody>
+                    <a:bodyPr/>
+                    <a:lstStyle/>
+                    <a:p>
+                      <a:r>
+                        <a:rPr lang="en-CA" dirty="0"/>
+                        <a:t>Malaria</a:t>
+                      </a:r>
+                    </a:p>
+                  </a:txBody>
+                  <a:tcPr/>
+                </a:tc>
+                <a:extLst>
+                  <a:ext uri="{0D108BD9-81ED-4DB2-BD59-A6C34878D82A}">
+                    <a16:rowId xmlns:a16="http://schemas.microsoft.com/office/drawing/2014/main" val="944310692"/>
+                  </a:ext>
+                </a:extLst>
+              </a:tr>
+              <a:tr h="370840">
+                <a:tc>
+                  <a:txBody>
+                    <a:bodyPr/>
+                    <a:lstStyle/>
+                    <a:p>
+                      <a:r>
+                        <a:rPr lang="en-CA" dirty="0"/>
+                        <a:t>Fever</a:t>
+                      </a:r>
+                    </a:p>
+                  </a:txBody>
+                  <a:tcPr/>
+                </a:tc>
+                <a:tc>
+                  <a:txBody>
+                    <a:bodyPr/>
+                    <a:lstStyle/>
+                    <a:p>
+                      <a:r>
+                        <a:rPr lang="en-CA" dirty="0"/>
+                        <a:t>7%</a:t>
+                      </a:r>
+                    </a:p>
+                  </a:txBody>
+                  <a:tcPr/>
+                </a:tc>
+                <a:tc>
+                  <a:txBody>
+                    <a:bodyPr/>
+                    <a:lstStyle/>
+                    <a:p>
+                      <a:r>
+                        <a:rPr lang="en-CA" dirty="0"/>
+                        <a:t>58%</a:t>
+                      </a:r>
+                    </a:p>
+                  </a:txBody>
+                  <a:tcPr/>
+                </a:tc>
+                <a:tc>
+                  <a:txBody>
+                    <a:bodyPr/>
+                    <a:lstStyle/>
+                    <a:p>
+                      <a:r>
+                        <a:rPr lang="en-CA" dirty="0"/>
+                        <a:t>7%</a:t>
+                      </a:r>
+                    </a:p>
+                  </a:txBody>
+                  <a:tcPr/>
+                </a:tc>
+                <a:tc>
+                  <a:txBody>
+                    <a:bodyPr/>
+                    <a:lstStyle/>
+                    <a:p>
+                      <a:r>
+                        <a:rPr lang="en-CA" dirty="0"/>
+                        <a:t>28%</a:t>
+                      </a:r>
+                    </a:p>
+                  </a:txBody>
+                  <a:tcPr/>
+                </a:tc>
+                <a:extLst>
+                  <a:ext uri="{0D108BD9-81ED-4DB2-BD59-A6C34878D82A}">
+                    <a16:rowId xmlns:a16="http://schemas.microsoft.com/office/drawing/2014/main" val="4151407985"/>
+                  </a:ext>
+                </a:extLst>
+              </a:tr>
+              <a:tr h="370840">
+                <a:tc>
+                  <a:txBody>
+                    <a:bodyPr/>
+                    <a:lstStyle/>
+                    <a:p>
+                      <a:r>
+                        <a:rPr lang="en-CA" dirty="0"/>
+                        <a:t>Headache</a:t>
+                      </a:r>
+                    </a:p>
+                  </a:txBody>
+                  <a:tcPr/>
+                </a:tc>
+                <a:tc>
+                  <a:txBody>
+                    <a:bodyPr/>
+                    <a:lstStyle/>
+                    <a:p>
+                      <a:r>
+                        <a:rPr lang="en-CA" dirty="0"/>
+                        <a:t>68%</a:t>
+                      </a:r>
+                    </a:p>
+                  </a:txBody>
+                  <a:tcPr/>
+                </a:tc>
+                <a:tc>
+                  <a:txBody>
+                    <a:bodyPr/>
+                    <a:lstStyle/>
+                    <a:p>
+                      <a:r>
+                        <a:rPr lang="en-CA" dirty="0"/>
+                        <a:t>10%</a:t>
+                      </a:r>
+                    </a:p>
+                  </a:txBody>
+                  <a:tcPr/>
+                </a:tc>
+                <a:tc>
+                  <a:txBody>
+                    <a:bodyPr/>
+                    <a:lstStyle/>
+                    <a:p>
+                      <a:r>
+                        <a:rPr lang="en-CA" dirty="0"/>
+                        <a:t>10%</a:t>
+                      </a:r>
+                    </a:p>
+                  </a:txBody>
+                  <a:tcPr/>
+                </a:tc>
+                <a:tc>
+                  <a:txBody>
+                    <a:bodyPr/>
+                    <a:lstStyle/>
+                    <a:p>
+                      <a:r>
+                        <a:rPr lang="en-CA" dirty="0"/>
+                        <a:t>12%</a:t>
+                      </a:r>
+                    </a:p>
+                  </a:txBody>
+                  <a:tcPr/>
+                </a:tc>
+                <a:extLst>
+                  <a:ext uri="{0D108BD9-81ED-4DB2-BD59-A6C34878D82A}">
+                    <a16:rowId xmlns:a16="http://schemas.microsoft.com/office/drawing/2014/main" val="949521255"/>
+                  </a:ext>
+                </a:extLst>
+              </a:tr>
+              <a:tr h="370840">
+                <a:tc>
+                  <a:txBody>
+                    <a:bodyPr/>
+                    <a:lstStyle/>
+                    <a:p>
+                      <a:r>
+                        <a:rPr lang="en-CA" dirty="0"/>
+                        <a:t>Joint Pain</a:t>
+                      </a:r>
+                    </a:p>
+                  </a:txBody>
+                  <a:tcPr/>
+                </a:tc>
+                <a:tc>
+                  <a:txBody>
+                    <a:bodyPr/>
+                    <a:lstStyle/>
+                    <a:p>
+                      <a:r>
+                        <a:rPr lang="en-CA" dirty="0"/>
+                        <a:t>18%</a:t>
+                      </a:r>
+                    </a:p>
+                  </a:txBody>
+                  <a:tcPr/>
+                </a:tc>
+                <a:tc>
+                  <a:txBody>
+                    <a:bodyPr/>
+                    <a:lstStyle/>
+                    <a:p>
+                      <a:r>
+                        <a:rPr lang="en-CA" dirty="0"/>
+                        <a:t>10%</a:t>
+                      </a:r>
+                    </a:p>
+                  </a:txBody>
+                  <a:tcPr/>
+                </a:tc>
+                <a:tc>
+                  <a:txBody>
+                    <a:bodyPr/>
+                    <a:lstStyle/>
+                    <a:p>
+                      <a:r>
+                        <a:rPr lang="en-CA" dirty="0"/>
+                        <a:t>20%</a:t>
+                      </a:r>
+                    </a:p>
+                  </a:txBody>
+                  <a:tcPr/>
+                </a:tc>
+                <a:tc>
+                  <a:txBody>
+                    <a:bodyPr/>
+                    <a:lstStyle/>
+                    <a:p>
+                      <a:r>
+                        <a:rPr lang="en-CA" dirty="0"/>
+                        <a:t>51%</a:t>
+                      </a:r>
+                    </a:p>
+                  </a:txBody>
+                  <a:tcPr/>
+                </a:tc>
+                <a:extLst>
+                  <a:ext uri="{0D108BD9-81ED-4DB2-BD59-A6C34878D82A}">
+                    <a16:rowId xmlns:a16="http://schemas.microsoft.com/office/drawing/2014/main" val="531121261"/>
+                  </a:ext>
+                </a:extLst>
+              </a:tr>
+              <a:tr h="370840">
+                <a:tc>
+                  <a:txBody>
+                    <a:bodyPr/>
+                    <a:lstStyle/>
+                    <a:p>
+                      <a:r>
+                        <a:rPr lang="en-CA" dirty="0"/>
+                        <a:t>Nausea</a:t>
+                      </a:r>
+                    </a:p>
+                  </a:txBody>
+                  <a:tcPr/>
+                </a:tc>
+                <a:tc>
+                  <a:txBody>
+                    <a:bodyPr/>
+                    <a:lstStyle/>
+                    <a:p>
+                      <a:r>
+                        <a:rPr lang="en-CA" dirty="0"/>
+                        <a:t>6%</a:t>
+                      </a:r>
+                    </a:p>
+                  </a:txBody>
+                  <a:tcPr/>
+                </a:tc>
+                <a:tc>
+                  <a:txBody>
+                    <a:bodyPr/>
+                    <a:lstStyle/>
+                    <a:p>
+                      <a:r>
+                        <a:rPr lang="en-CA" dirty="0"/>
+                        <a:t>0%</a:t>
+                      </a:r>
+                    </a:p>
+                  </a:txBody>
+                  <a:tcPr/>
+                </a:tc>
+                <a:tc>
+                  <a:txBody>
+                    <a:bodyPr/>
+                    <a:lstStyle/>
+                    <a:p>
+                      <a:r>
+                        <a:rPr lang="en-CA" dirty="0"/>
+                        <a:t>94%</a:t>
+                      </a:r>
+                    </a:p>
+                  </a:txBody>
+                  <a:tcPr/>
+                </a:tc>
+                <a:tc>
+                  <a:txBody>
+                    <a:bodyPr/>
+                    <a:lstStyle/>
+                    <a:p>
+                      <a:r>
+                        <a:rPr lang="en-CA" dirty="0"/>
+                        <a:t>0%</a:t>
+                      </a:r>
+                    </a:p>
+                  </a:txBody>
+                  <a:tcPr/>
+                </a:tc>
+                <a:extLst>
+                  <a:ext uri="{0D108BD9-81ED-4DB2-BD59-A6C34878D82A}">
+                    <a16:rowId xmlns:a16="http://schemas.microsoft.com/office/drawing/2014/main" val="1467571143"/>
+                  </a:ext>
+                </a:extLst>
+              </a:tr>
+            </a:tbl>
+          </a:graphicData>
+        </a:graphic>
+      </p:graphicFrame>
+      <p:sp>
+        <p:nvSpPr>
+          <p:cNvPr id="8" name="Rectangle 7">
+            <a:extLst>
+              <a:ext uri="{FF2B5EF4-FFF2-40B4-BE49-F238E27FC236}">
+                <a16:creationId xmlns:a16="http://schemas.microsoft.com/office/drawing/2014/main" id="{F4CFD7B4-E28F-48F0-A7FA-2239EEA06847}"/>
+              </a:ext>
+            </a:extLst>
+          </p:cNvPr>
+          <p:cNvSpPr/>
+          <p:nvPr/>
+        </p:nvSpPr>
+        <p:spPr>
+          <a:xfrm>
+            <a:off x="8501116" y="3951946"/>
+            <a:ext cx="3251200" cy="646331"/>
+          </a:xfrm>
+          <a:prstGeom prst="rect">
+            <a:avLst/>
+          </a:prstGeom>
+        </p:spPr>
+        <p:txBody>
+          <a:bodyPr wrap="square">
+            <a:spAutoFit/>
+          </a:bodyPr>
+          <a:lstStyle/>
+          <a:p>
+            <a:r>
+              <a:rPr lang="en-CA" dirty="0"/>
+              <a:t>Normalized based on symptom (rows add up to 100%)</a:t>
+            </a:r>
+          </a:p>
+        </p:txBody>
+      </p:sp>
+    </p:spTree>
+    <p:extLst>
+      <p:ext uri="{BB962C8B-B14F-4D97-AF65-F5344CB8AC3E}">
+        <p14:creationId xmlns:p14="http://schemas.microsoft.com/office/powerpoint/2010/main" val="1360135897"/>
+      </p:ext>
+    </p:extLst>
+  </p:cSld>
+  <p:clrMapOvr>
+    <a:masterClrMapping/>
+  </p:clrMapOvr>
+</p:sld>
+</file>
+
+<file path=ppt/slides/slide11.xml><?xml version="1.0" encoding="utf-8"?>
+<p:sld xmlns:a="http://schemas.openxmlformats.org/drawingml/2006/main" xmlns:r="http://schemas.openxmlformats.org/officeDocument/2006/relationships" xmlns:p="http://schemas.openxmlformats.org/presentationml/2006/main">
+  <p:cSld>
+    <p:spTree>
+      <p:nvGrpSpPr>
+        <p:cNvPr id="1" name=""/>
+        <p:cNvGrpSpPr/>
+        <p:nvPr/>
+      </p:nvGrpSpPr>
+      <p:grpSpPr>
+        <a:xfrm>
+          <a:off x="0" y="0"/>
+          <a:ext cx="0" cy="0"/>
+          <a:chOff x="0" y="0"/>
+          <a:chExt cx="0" cy="0"/>
+        </a:xfrm>
+      </p:grpSpPr>
+      <p:sp>
+        <p:nvSpPr>
+          <p:cNvPr id="2" name="Title 1">
+            <a:extLst>
+              <a:ext uri="{FF2B5EF4-FFF2-40B4-BE49-F238E27FC236}">
+                <a16:creationId xmlns:a16="http://schemas.microsoft.com/office/drawing/2014/main" id="{D69AC71E-943A-4A95-96FA-42FFA8410A6D}"/>
+              </a:ext>
+            </a:extLst>
+          </p:cNvPr>
+          <p:cNvSpPr>
+            <a:spLocks noGrp="1"/>
+          </p:cNvSpPr>
+          <p:nvPr>
+            <p:ph type="title"/>
+          </p:nvPr>
+        </p:nvSpPr>
+        <p:spPr>
+          <a:xfrm>
+            <a:off x="2231136" y="207947"/>
+            <a:ext cx="7729728" cy="1188720"/>
+          </a:xfrm>
+        </p:spPr>
+        <p:txBody>
+          <a:bodyPr/>
+          <a:lstStyle/>
+          <a:p>
+            <a:r>
+              <a:rPr lang="en-CA" dirty="0"/>
+              <a:t>Understanding check</a:t>
+            </a:r>
+          </a:p>
+        </p:txBody>
+      </p:sp>
+      <p:sp>
+        <p:nvSpPr>
+          <p:cNvPr id="3" name="Content Placeholder 2">
+            <a:extLst>
+              <a:ext uri="{FF2B5EF4-FFF2-40B4-BE49-F238E27FC236}">
+                <a16:creationId xmlns:a16="http://schemas.microsoft.com/office/drawing/2014/main" id="{FBF705BD-67B0-43A0-8624-75233E185CBA}"/>
+              </a:ext>
+            </a:extLst>
+          </p:cNvPr>
+          <p:cNvSpPr>
+            <a:spLocks noGrp="1"/>
+          </p:cNvSpPr>
+          <p:nvPr>
+            <p:ph idx="1"/>
+          </p:nvPr>
+        </p:nvSpPr>
+        <p:spPr>
+          <a:xfrm>
+            <a:off x="2231136" y="1458864"/>
+            <a:ext cx="7729728" cy="863057"/>
+          </a:xfrm>
+        </p:spPr>
+        <p:txBody>
+          <a:bodyPr/>
+          <a:lstStyle/>
+          <a:p>
+            <a:r>
+              <a:rPr lang="en-CA" dirty="0"/>
+              <a:t>Confidence interval: Hold parameter constant, vary data</a:t>
+            </a:r>
+          </a:p>
+        </p:txBody>
+      </p:sp>
+      <p:graphicFrame>
+        <p:nvGraphicFramePr>
+          <p:cNvPr id="4" name="Table 4">
+            <a:extLst>
+              <a:ext uri="{FF2B5EF4-FFF2-40B4-BE49-F238E27FC236}">
+                <a16:creationId xmlns:a16="http://schemas.microsoft.com/office/drawing/2014/main" id="{738787FF-C31F-4B8D-924A-369483C0B310}"/>
+              </a:ext>
+            </a:extLst>
+          </p:cNvPr>
+          <p:cNvGraphicFramePr>
+            <a:graphicFrameLocks noGrp="1"/>
+          </p:cNvGraphicFramePr>
+          <p:nvPr>
+            <p:extLst>
+              <p:ext uri="{D42A27DB-BD31-4B8C-83A1-F6EECF244321}">
+                <p14:modId xmlns:p14="http://schemas.microsoft.com/office/powerpoint/2010/main" val="3617144958"/>
+              </p:ext>
+            </p:extLst>
+          </p:nvPr>
+        </p:nvGraphicFramePr>
+        <p:xfrm>
+          <a:off x="2231136" y="2614143"/>
+          <a:ext cx="8128000" cy="2123440"/>
+        </p:xfrm>
+        <a:graphic>
+          <a:graphicData uri="http://schemas.openxmlformats.org/drawingml/2006/table">
+            <a:tbl>
+              <a:tblPr firstRow="1" bandRow="1">
+                <a:tableStyleId>{5C22544A-7EE6-4342-B048-85BDC9FD1C3A}</a:tableStyleId>
+              </a:tblPr>
+              <a:tblGrid>
+                <a:gridCol w="1625600">
+                  <a:extLst>
+                    <a:ext uri="{9D8B030D-6E8A-4147-A177-3AD203B41FA5}">
+                      <a16:colId xmlns:a16="http://schemas.microsoft.com/office/drawing/2014/main" val="954395992"/>
+                    </a:ext>
+                  </a:extLst>
+                </a:gridCol>
+                <a:gridCol w="1625600">
+                  <a:extLst>
+                    <a:ext uri="{9D8B030D-6E8A-4147-A177-3AD203B41FA5}">
+                      <a16:colId xmlns:a16="http://schemas.microsoft.com/office/drawing/2014/main" val="3334094748"/>
+                    </a:ext>
+                  </a:extLst>
+                </a:gridCol>
+                <a:gridCol w="1625600">
+                  <a:extLst>
+                    <a:ext uri="{9D8B030D-6E8A-4147-A177-3AD203B41FA5}">
+                      <a16:colId xmlns:a16="http://schemas.microsoft.com/office/drawing/2014/main" val="3538566938"/>
+                    </a:ext>
+                  </a:extLst>
+                </a:gridCol>
+                <a:gridCol w="1625600">
+                  <a:extLst>
+                    <a:ext uri="{9D8B030D-6E8A-4147-A177-3AD203B41FA5}">
+                      <a16:colId xmlns:a16="http://schemas.microsoft.com/office/drawing/2014/main" val="3400876240"/>
+                    </a:ext>
+                  </a:extLst>
+                </a:gridCol>
+                <a:gridCol w="1625600">
+                  <a:extLst>
+                    <a:ext uri="{9D8B030D-6E8A-4147-A177-3AD203B41FA5}">
+                      <a16:colId xmlns:a16="http://schemas.microsoft.com/office/drawing/2014/main" val="1577969233"/>
+                    </a:ext>
+                  </a:extLst>
+                </a:gridCol>
+              </a:tblGrid>
+              <a:tr h="370840">
+                <a:tc>
+                  <a:txBody>
+                    <a:bodyPr/>
+                    <a:lstStyle/>
+                    <a:p>
+                      <a:endParaRPr lang="en-CA" dirty="0"/>
+                    </a:p>
+                  </a:txBody>
+                  <a:tcPr/>
+                </a:tc>
+                <a:tc>
+                  <a:txBody>
+                    <a:bodyPr/>
+                    <a:lstStyle/>
+                    <a:p>
+                      <a:r>
+                        <a:rPr lang="en-CA" dirty="0"/>
+                        <a:t>Cold</a:t>
+                      </a:r>
+                    </a:p>
+                  </a:txBody>
+                  <a:tcPr/>
+                </a:tc>
+                <a:tc>
+                  <a:txBody>
+                    <a:bodyPr/>
+                    <a:lstStyle/>
+                    <a:p>
+                      <a:r>
+                        <a:rPr lang="en-CA" dirty="0"/>
+                        <a:t>Flu</a:t>
+                      </a:r>
+                    </a:p>
+                  </a:txBody>
+                  <a:tcPr/>
+                </a:tc>
+                <a:tc>
+                  <a:txBody>
+                    <a:bodyPr/>
+                    <a:lstStyle/>
+                    <a:p>
+                      <a:r>
+                        <a:rPr lang="en-CA" dirty="0"/>
+                        <a:t>Food Poisoning</a:t>
+                      </a:r>
+                    </a:p>
+                  </a:txBody>
+                  <a:tcPr/>
+                </a:tc>
+                <a:tc>
+                  <a:txBody>
+                    <a:bodyPr/>
+                    <a:lstStyle/>
+                    <a:p>
+                      <a:r>
+                        <a:rPr lang="en-CA" dirty="0"/>
+                        <a:t>Malaria</a:t>
+                      </a:r>
+                    </a:p>
+                  </a:txBody>
+                  <a:tcPr/>
+                </a:tc>
+                <a:extLst>
+                  <a:ext uri="{0D108BD9-81ED-4DB2-BD59-A6C34878D82A}">
+                    <a16:rowId xmlns:a16="http://schemas.microsoft.com/office/drawing/2014/main" val="944310692"/>
+                  </a:ext>
+                </a:extLst>
+              </a:tr>
+              <a:tr h="370840">
+                <a:tc>
+                  <a:txBody>
+                    <a:bodyPr/>
+                    <a:lstStyle/>
+                    <a:p>
+                      <a:r>
+                        <a:rPr lang="en-CA" dirty="0"/>
+                        <a:t>Fever</a:t>
+                      </a:r>
+                    </a:p>
+                  </a:txBody>
+                  <a:tcPr/>
+                </a:tc>
+                <a:tc>
+                  <a:txBody>
+                    <a:bodyPr/>
+                    <a:lstStyle/>
+                    <a:p>
+                      <a:r>
+                        <a:rPr lang="en-CA" dirty="0"/>
+                        <a:t>10%</a:t>
+                      </a:r>
+                    </a:p>
+                  </a:txBody>
+                  <a:tcPr/>
+                </a:tc>
+                <a:tc>
+                  <a:txBody>
+                    <a:bodyPr/>
+                    <a:lstStyle/>
+                    <a:p>
+                      <a:r>
+                        <a:rPr lang="en-CA" dirty="0"/>
+                        <a:t>80%</a:t>
+                      </a:r>
+                    </a:p>
+                  </a:txBody>
+                  <a:tcPr/>
+                </a:tc>
+                <a:tc>
+                  <a:txBody>
+                    <a:bodyPr/>
+                    <a:lstStyle/>
+                    <a:p>
+                      <a:r>
+                        <a:rPr lang="en-CA" dirty="0"/>
+                        <a:t>10%</a:t>
+                      </a:r>
+                    </a:p>
+                  </a:txBody>
+                  <a:tcPr/>
+                </a:tc>
+                <a:tc>
+                  <a:txBody>
+                    <a:bodyPr/>
+                    <a:lstStyle/>
+                    <a:p>
+                      <a:r>
+                        <a:rPr lang="en-CA" dirty="0"/>
+                        <a:t>38%</a:t>
+                      </a:r>
+                    </a:p>
+                  </a:txBody>
+                  <a:tcPr/>
+                </a:tc>
+                <a:extLst>
+                  <a:ext uri="{0D108BD9-81ED-4DB2-BD59-A6C34878D82A}">
+                    <a16:rowId xmlns:a16="http://schemas.microsoft.com/office/drawing/2014/main" val="4151407985"/>
+                  </a:ext>
+                </a:extLst>
+              </a:tr>
+              <a:tr h="370840">
+                <a:tc>
+                  <a:txBody>
+                    <a:bodyPr/>
+                    <a:lstStyle/>
+                    <a:p>
+                      <a:r>
+                        <a:rPr lang="en-CA" dirty="0"/>
+                        <a:t>Headache</a:t>
+                      </a:r>
+                    </a:p>
+                  </a:txBody>
+                  <a:tcPr/>
+                </a:tc>
+                <a:tc>
+                  <a:txBody>
+                    <a:bodyPr/>
+                    <a:lstStyle/>
+                    <a:p>
+                      <a:r>
+                        <a:rPr lang="en-CA" dirty="0"/>
+                        <a:t>68%</a:t>
+                      </a:r>
+                    </a:p>
+                  </a:txBody>
+                  <a:tcPr/>
+                </a:tc>
+                <a:tc>
+                  <a:txBody>
+                    <a:bodyPr/>
+                    <a:lstStyle/>
+                    <a:p>
+                      <a:r>
+                        <a:rPr lang="en-CA" dirty="0"/>
+                        <a:t>10%</a:t>
+                      </a:r>
+                    </a:p>
+                  </a:txBody>
+                  <a:tcPr/>
+                </a:tc>
+                <a:tc>
+                  <a:txBody>
+                    <a:bodyPr/>
+                    <a:lstStyle/>
+                    <a:p>
+                      <a:r>
+                        <a:rPr lang="en-CA" dirty="0"/>
+                        <a:t>10%</a:t>
+                      </a:r>
+                    </a:p>
+                  </a:txBody>
+                  <a:tcPr/>
+                </a:tc>
+                <a:tc>
+                  <a:txBody>
+                    <a:bodyPr/>
+                    <a:lstStyle/>
+                    <a:p>
+                      <a:r>
+                        <a:rPr lang="en-CA" dirty="0"/>
+                        <a:t>12%</a:t>
+                      </a:r>
+                    </a:p>
+                  </a:txBody>
+                  <a:tcPr/>
+                </a:tc>
+                <a:extLst>
+                  <a:ext uri="{0D108BD9-81ED-4DB2-BD59-A6C34878D82A}">
+                    <a16:rowId xmlns:a16="http://schemas.microsoft.com/office/drawing/2014/main" val="949521255"/>
+                  </a:ext>
+                </a:extLst>
+              </a:tr>
+              <a:tr h="370840">
+                <a:tc>
+                  <a:txBody>
+                    <a:bodyPr/>
+                    <a:lstStyle/>
+                    <a:p>
+                      <a:r>
+                        <a:rPr lang="en-CA" dirty="0"/>
+                        <a:t>Joint Pain</a:t>
+                      </a:r>
+                    </a:p>
+                  </a:txBody>
+                  <a:tcPr/>
+                </a:tc>
+                <a:tc>
+                  <a:txBody>
+                    <a:bodyPr/>
+                    <a:lstStyle/>
+                    <a:p>
+                      <a:r>
+                        <a:rPr lang="en-CA" dirty="0"/>
+                        <a:t>18%</a:t>
+                      </a:r>
+                    </a:p>
+                  </a:txBody>
+                  <a:tcPr/>
+                </a:tc>
+                <a:tc>
+                  <a:txBody>
+                    <a:bodyPr/>
+                    <a:lstStyle/>
+                    <a:p>
+                      <a:r>
+                        <a:rPr lang="en-CA" dirty="0"/>
+                        <a:t>10%</a:t>
+                      </a:r>
+                    </a:p>
+                  </a:txBody>
+                  <a:tcPr/>
+                </a:tc>
+                <a:tc>
+                  <a:txBody>
+                    <a:bodyPr/>
+                    <a:lstStyle/>
+                    <a:p>
+                      <a:r>
+                        <a:rPr lang="en-CA" dirty="0"/>
+                        <a:t>20%</a:t>
+                      </a:r>
+                    </a:p>
+                  </a:txBody>
+                  <a:tcPr/>
+                </a:tc>
+                <a:tc>
+                  <a:txBody>
+                    <a:bodyPr/>
+                    <a:lstStyle/>
+                    <a:p>
+                      <a:r>
+                        <a:rPr lang="en-CA" dirty="0"/>
+                        <a:t>50%</a:t>
+                      </a:r>
+                    </a:p>
+                  </a:txBody>
+                  <a:tcPr/>
+                </a:tc>
+                <a:extLst>
+                  <a:ext uri="{0D108BD9-81ED-4DB2-BD59-A6C34878D82A}">
+                    <a16:rowId xmlns:a16="http://schemas.microsoft.com/office/drawing/2014/main" val="531121261"/>
+                  </a:ext>
+                </a:extLst>
+              </a:tr>
+              <a:tr h="370840">
+                <a:tc>
+                  <a:txBody>
+                    <a:bodyPr/>
+                    <a:lstStyle/>
+                    <a:p>
+                      <a:r>
+                        <a:rPr lang="en-CA" dirty="0"/>
+                        <a:t>Nausea</a:t>
+                      </a:r>
+                    </a:p>
+                  </a:txBody>
+                  <a:tcPr/>
+                </a:tc>
+                <a:tc>
+                  <a:txBody>
+                    <a:bodyPr/>
+                    <a:lstStyle/>
+                    <a:p>
+                      <a:r>
+                        <a:rPr lang="en-CA" dirty="0"/>
+                        <a:t>4%</a:t>
+                      </a:r>
+                    </a:p>
+                  </a:txBody>
+                  <a:tcPr/>
+                </a:tc>
+                <a:tc>
+                  <a:txBody>
+                    <a:bodyPr/>
+                    <a:lstStyle/>
+                    <a:p>
+                      <a:r>
+                        <a:rPr lang="en-CA" dirty="0"/>
+                        <a:t>0%</a:t>
+                      </a:r>
+                    </a:p>
+                  </a:txBody>
+                  <a:tcPr/>
+                </a:tc>
+                <a:tc>
+                  <a:txBody>
+                    <a:bodyPr/>
+                    <a:lstStyle/>
+                    <a:p>
+                      <a:r>
+                        <a:rPr lang="en-CA" dirty="0"/>
+                        <a:t>60%</a:t>
+                      </a:r>
+                    </a:p>
+                  </a:txBody>
+                  <a:tcPr/>
+                </a:tc>
+                <a:tc>
+                  <a:txBody>
+                    <a:bodyPr/>
+                    <a:lstStyle/>
+                    <a:p>
+                      <a:r>
+                        <a:rPr lang="en-CA" dirty="0"/>
+                        <a:t>0%</a:t>
+                      </a:r>
+                    </a:p>
+                  </a:txBody>
+                  <a:tcPr/>
+                </a:tc>
+                <a:extLst>
+                  <a:ext uri="{0D108BD9-81ED-4DB2-BD59-A6C34878D82A}">
+                    <a16:rowId xmlns:a16="http://schemas.microsoft.com/office/drawing/2014/main" val="1467571143"/>
+                  </a:ext>
+                </a:extLst>
+              </a:tr>
+            </a:tbl>
+          </a:graphicData>
+        </a:graphic>
+      </p:graphicFrame>
+      <p:sp>
+        <p:nvSpPr>
+          <p:cNvPr id="6" name="Rectangle 5">
+            <a:extLst>
+              <a:ext uri="{FF2B5EF4-FFF2-40B4-BE49-F238E27FC236}">
+                <a16:creationId xmlns:a16="http://schemas.microsoft.com/office/drawing/2014/main" id="{B226F2D2-B71C-43E2-909E-BB64609E4A30}"/>
+              </a:ext>
+            </a:extLst>
+          </p:cNvPr>
+          <p:cNvSpPr/>
+          <p:nvPr/>
+        </p:nvSpPr>
+        <p:spPr>
+          <a:xfrm>
+            <a:off x="2231136" y="2137255"/>
+            <a:ext cx="6096000" cy="369332"/>
+          </a:xfrm>
+          <a:prstGeom prst="rect">
+            <a:avLst/>
+          </a:prstGeom>
+        </p:spPr>
+        <p:txBody>
+          <a:bodyPr>
+            <a:spAutoFit/>
+          </a:bodyPr>
+          <a:lstStyle/>
+          <a:p>
+            <a:r>
+              <a:rPr lang="en-CA" dirty="0"/>
+              <a:t>Normalized based on disease (columns add up to 100%)</a:t>
+            </a:r>
+          </a:p>
+        </p:txBody>
+      </p:sp>
+      <p:sp>
+        <p:nvSpPr>
+          <p:cNvPr id="5" name="Oval 4">
+            <a:extLst>
+              <a:ext uri="{FF2B5EF4-FFF2-40B4-BE49-F238E27FC236}">
+                <a16:creationId xmlns:a16="http://schemas.microsoft.com/office/drawing/2014/main" id="{058CDDBE-1F8A-4914-9F5A-E242A7B94F2B}"/>
+              </a:ext>
+            </a:extLst>
+          </p:cNvPr>
+          <p:cNvSpPr/>
+          <p:nvPr/>
+        </p:nvSpPr>
+        <p:spPr>
+          <a:xfrm>
+            <a:off x="3888268" y="3568306"/>
+            <a:ext cx="651641" cy="428297"/>
+          </a:xfrm>
+          <a:prstGeom prst="ellipse">
+            <a:avLst/>
+          </a:prstGeom>
+          <a:noFill/>
+          <a:ln>
+            <a:solidFill>
+              <a:srgbClr val="FF0000"/>
+            </a:solidFill>
+          </a:ln>
+        </p:spPr>
+        <p:style>
+          <a:lnRef idx="2">
+            <a:schemeClr val="accent1">
+              <a:shade val="50000"/>
+            </a:schemeClr>
+          </a:lnRef>
+          <a:fillRef idx="1">
+            <a:schemeClr val="accent1"/>
+          </a:fillRef>
+          <a:effectRef idx="0">
+            <a:schemeClr val="accent1"/>
+          </a:effectRef>
+          <a:fontRef idx="minor">
+            <a:schemeClr val="lt1"/>
+          </a:fontRef>
+        </p:style>
+        <p:txBody>
+          <a:bodyPr rtlCol="0" anchor="ctr"/>
+          <a:lstStyle/>
+          <a:p>
+            <a:pPr algn="ctr"/>
+            <a:endParaRPr lang="en-CA"/>
+          </a:p>
+        </p:txBody>
+      </p:sp>
+      <p:sp>
+        <p:nvSpPr>
+          <p:cNvPr id="9" name="Oval 8">
+            <a:extLst>
+              <a:ext uri="{FF2B5EF4-FFF2-40B4-BE49-F238E27FC236}">
+                <a16:creationId xmlns:a16="http://schemas.microsoft.com/office/drawing/2014/main" id="{FE0674BB-A7D0-41F6-AE3F-AA9F9ED9E204}"/>
+              </a:ext>
+            </a:extLst>
+          </p:cNvPr>
+          <p:cNvSpPr/>
+          <p:nvPr/>
+        </p:nvSpPr>
+        <p:spPr>
+          <a:xfrm>
+            <a:off x="3888267" y="3951934"/>
+            <a:ext cx="651641" cy="428297"/>
+          </a:xfrm>
+          <a:prstGeom prst="ellipse">
+            <a:avLst/>
+          </a:prstGeom>
+          <a:noFill/>
+          <a:ln>
+            <a:solidFill>
+              <a:srgbClr val="FF0000"/>
+            </a:solidFill>
+          </a:ln>
+        </p:spPr>
+        <p:style>
+          <a:lnRef idx="2">
+            <a:schemeClr val="accent1">
+              <a:shade val="50000"/>
+            </a:schemeClr>
+          </a:lnRef>
+          <a:fillRef idx="1">
+            <a:schemeClr val="accent1"/>
+          </a:fillRef>
+          <a:effectRef idx="0">
+            <a:schemeClr val="accent1"/>
+          </a:effectRef>
+          <a:fontRef idx="minor">
+            <a:schemeClr val="lt1"/>
+          </a:fontRef>
+        </p:style>
+        <p:txBody>
+          <a:bodyPr rtlCol="0" anchor="ctr"/>
+          <a:lstStyle/>
+          <a:p>
+            <a:pPr algn="ctr"/>
+            <a:endParaRPr lang="en-CA"/>
+          </a:p>
+        </p:txBody>
+      </p:sp>
+      <p:sp>
+        <p:nvSpPr>
+          <p:cNvPr id="10" name="Oval 9">
+            <a:extLst>
+              <a:ext uri="{FF2B5EF4-FFF2-40B4-BE49-F238E27FC236}">
+                <a16:creationId xmlns:a16="http://schemas.microsoft.com/office/drawing/2014/main" id="{27DB9377-7D29-43C5-9973-BFBFA744BC61}"/>
+              </a:ext>
+            </a:extLst>
+          </p:cNvPr>
+          <p:cNvSpPr/>
+          <p:nvPr/>
+        </p:nvSpPr>
+        <p:spPr>
+          <a:xfrm>
+            <a:off x="5417523" y="3159453"/>
+            <a:ext cx="651641" cy="428297"/>
+          </a:xfrm>
+          <a:prstGeom prst="ellipse">
+            <a:avLst/>
+          </a:prstGeom>
+          <a:noFill/>
+          <a:ln>
+            <a:solidFill>
+              <a:srgbClr val="FF0000"/>
+            </a:solidFill>
+          </a:ln>
+        </p:spPr>
+        <p:style>
+          <a:lnRef idx="2">
+            <a:schemeClr val="accent1">
+              <a:shade val="50000"/>
+            </a:schemeClr>
+          </a:lnRef>
+          <a:fillRef idx="1">
+            <a:schemeClr val="accent1"/>
+          </a:fillRef>
+          <a:effectRef idx="0">
+            <a:schemeClr val="accent1"/>
+          </a:effectRef>
+          <a:fontRef idx="minor">
+            <a:schemeClr val="lt1"/>
+          </a:fontRef>
+        </p:style>
+        <p:txBody>
+          <a:bodyPr rtlCol="0" anchor="ctr"/>
+          <a:lstStyle/>
+          <a:p>
+            <a:pPr algn="ctr"/>
+            <a:endParaRPr lang="en-CA"/>
+          </a:p>
+        </p:txBody>
+      </p:sp>
+      <p:sp>
+        <p:nvSpPr>
+          <p:cNvPr id="11" name="Oval 10">
+            <a:extLst>
+              <a:ext uri="{FF2B5EF4-FFF2-40B4-BE49-F238E27FC236}">
+                <a16:creationId xmlns:a16="http://schemas.microsoft.com/office/drawing/2014/main" id="{F8CA8DD1-E474-4443-84C4-2617DEF68A43}"/>
+              </a:ext>
+            </a:extLst>
+          </p:cNvPr>
+          <p:cNvSpPr/>
+          <p:nvPr/>
+        </p:nvSpPr>
+        <p:spPr>
+          <a:xfrm>
+            <a:off x="7086915" y="4380231"/>
+            <a:ext cx="651641" cy="428297"/>
+          </a:xfrm>
+          <a:prstGeom prst="ellipse">
+            <a:avLst/>
+          </a:prstGeom>
+          <a:noFill/>
+          <a:ln>
+            <a:solidFill>
+              <a:srgbClr val="FF0000"/>
+            </a:solidFill>
+          </a:ln>
+        </p:spPr>
+        <p:style>
+          <a:lnRef idx="2">
+            <a:schemeClr val="accent1">
+              <a:shade val="50000"/>
+            </a:schemeClr>
+          </a:lnRef>
+          <a:fillRef idx="1">
+            <a:schemeClr val="accent1"/>
+          </a:fillRef>
+          <a:effectRef idx="0">
+            <a:schemeClr val="accent1"/>
+          </a:effectRef>
+          <a:fontRef idx="minor">
+            <a:schemeClr val="lt1"/>
+          </a:fontRef>
+        </p:style>
+        <p:txBody>
+          <a:bodyPr rtlCol="0" anchor="ctr"/>
+          <a:lstStyle/>
+          <a:p>
+            <a:pPr algn="ctr"/>
+            <a:endParaRPr lang="en-CA"/>
+          </a:p>
+        </p:txBody>
+      </p:sp>
+      <p:sp>
+        <p:nvSpPr>
+          <p:cNvPr id="12" name="Oval 11">
+            <a:extLst>
+              <a:ext uri="{FF2B5EF4-FFF2-40B4-BE49-F238E27FC236}">
+                <a16:creationId xmlns:a16="http://schemas.microsoft.com/office/drawing/2014/main" id="{83A5DF00-6DA9-44C6-8B6C-5529AC0E6E9D}"/>
+              </a:ext>
+            </a:extLst>
+          </p:cNvPr>
+          <p:cNvSpPr/>
+          <p:nvPr/>
+        </p:nvSpPr>
+        <p:spPr>
+          <a:xfrm>
+            <a:off x="7086914" y="3951933"/>
+            <a:ext cx="651641" cy="428297"/>
+          </a:xfrm>
+          <a:prstGeom prst="ellipse">
+            <a:avLst/>
+          </a:prstGeom>
+          <a:noFill/>
+          <a:ln>
+            <a:solidFill>
+              <a:srgbClr val="FF0000"/>
+            </a:solidFill>
+          </a:ln>
+        </p:spPr>
+        <p:style>
+          <a:lnRef idx="2">
+            <a:schemeClr val="accent1">
+              <a:shade val="50000"/>
+            </a:schemeClr>
+          </a:lnRef>
+          <a:fillRef idx="1">
+            <a:schemeClr val="accent1"/>
+          </a:fillRef>
+          <a:effectRef idx="0">
+            <a:schemeClr val="accent1"/>
+          </a:effectRef>
+          <a:fontRef idx="minor">
+            <a:schemeClr val="lt1"/>
+          </a:fontRef>
+        </p:style>
+        <p:txBody>
+          <a:bodyPr rtlCol="0" anchor="ctr"/>
+          <a:lstStyle/>
+          <a:p>
+            <a:pPr algn="ctr"/>
+            <a:endParaRPr lang="en-CA"/>
+          </a:p>
+        </p:txBody>
+      </p:sp>
+      <p:sp>
+        <p:nvSpPr>
+          <p:cNvPr id="13" name="Oval 12">
+            <a:extLst>
+              <a:ext uri="{FF2B5EF4-FFF2-40B4-BE49-F238E27FC236}">
+                <a16:creationId xmlns:a16="http://schemas.microsoft.com/office/drawing/2014/main" id="{53F3D837-CB46-4350-BD7B-5D68198CBF55}"/>
+              </a:ext>
+            </a:extLst>
+          </p:cNvPr>
+          <p:cNvSpPr/>
+          <p:nvPr/>
+        </p:nvSpPr>
+        <p:spPr>
+          <a:xfrm>
+            <a:off x="8721273" y="3181787"/>
+            <a:ext cx="651641" cy="428297"/>
+          </a:xfrm>
+          <a:prstGeom prst="ellipse">
+            <a:avLst/>
+          </a:prstGeom>
+          <a:noFill/>
+          <a:ln>
+            <a:solidFill>
+              <a:srgbClr val="FF0000"/>
+            </a:solidFill>
+          </a:ln>
+        </p:spPr>
+        <p:style>
+          <a:lnRef idx="2">
+            <a:schemeClr val="accent1">
+              <a:shade val="50000"/>
+            </a:schemeClr>
+          </a:lnRef>
+          <a:fillRef idx="1">
+            <a:schemeClr val="accent1"/>
+          </a:fillRef>
+          <a:effectRef idx="0">
+            <a:schemeClr val="accent1"/>
+          </a:effectRef>
+          <a:fontRef idx="minor">
+            <a:schemeClr val="lt1"/>
+          </a:fontRef>
+        </p:style>
+        <p:txBody>
+          <a:bodyPr rtlCol="0" anchor="ctr"/>
+          <a:lstStyle/>
+          <a:p>
+            <a:pPr algn="ctr"/>
+            <a:endParaRPr lang="en-CA"/>
+          </a:p>
+        </p:txBody>
+      </p:sp>
+      <p:sp>
+        <p:nvSpPr>
+          <p:cNvPr id="14" name="Oval 13">
+            <a:extLst>
+              <a:ext uri="{FF2B5EF4-FFF2-40B4-BE49-F238E27FC236}">
+                <a16:creationId xmlns:a16="http://schemas.microsoft.com/office/drawing/2014/main" id="{7C8C30A2-4BCF-409C-BDAF-7EFB1CB22DF4}"/>
+              </a:ext>
+            </a:extLst>
+          </p:cNvPr>
+          <p:cNvSpPr/>
+          <p:nvPr/>
+        </p:nvSpPr>
+        <p:spPr>
+          <a:xfrm>
+            <a:off x="8666968" y="3977814"/>
+            <a:ext cx="651641" cy="428297"/>
+          </a:xfrm>
+          <a:prstGeom prst="ellipse">
+            <a:avLst/>
+          </a:prstGeom>
+          <a:noFill/>
+          <a:ln>
+            <a:solidFill>
+              <a:srgbClr val="FF0000"/>
+            </a:solidFill>
+          </a:ln>
+        </p:spPr>
+        <p:style>
+          <a:lnRef idx="2">
+            <a:schemeClr val="accent1">
+              <a:shade val="50000"/>
+            </a:schemeClr>
+          </a:lnRef>
+          <a:fillRef idx="1">
+            <a:schemeClr val="accent1"/>
+          </a:fillRef>
+          <a:effectRef idx="0">
+            <a:schemeClr val="accent1"/>
+          </a:effectRef>
+          <a:fontRef idx="minor">
+            <a:schemeClr val="lt1"/>
+          </a:fontRef>
+        </p:style>
+        <p:txBody>
+          <a:bodyPr rtlCol="0" anchor="ctr"/>
+          <a:lstStyle/>
+          <a:p>
+            <a:pPr algn="ctr"/>
+            <a:endParaRPr lang="en-CA"/>
+          </a:p>
+        </p:txBody>
+      </p:sp>
+      <p:sp>
+        <p:nvSpPr>
+          <p:cNvPr id="15" name="Content Placeholder 2">
+            <a:extLst>
+              <a:ext uri="{FF2B5EF4-FFF2-40B4-BE49-F238E27FC236}">
+                <a16:creationId xmlns:a16="http://schemas.microsoft.com/office/drawing/2014/main" id="{03CE951F-531F-422F-B25C-F5A0EE6A6A08}"/>
+              </a:ext>
+            </a:extLst>
+          </p:cNvPr>
+          <p:cNvSpPr txBox="1">
+            <a:spLocks/>
+          </p:cNvSpPr>
+          <p:nvPr/>
+        </p:nvSpPr>
+        <p:spPr>
+          <a:xfrm>
+            <a:off x="722902" y="5142720"/>
+            <a:ext cx="9237962" cy="1715279"/>
+          </a:xfrm>
+          <a:prstGeom prst="rect">
+            <a:avLst/>
+          </a:prstGeom>
+        </p:spPr>
+        <p:txBody>
+          <a:bodyPr vert="horz" lIns="91440" tIns="45720" rIns="91440" bIns="45720" rtlCol="0">
+            <a:normAutofit/>
+          </a:bodyPr>
+          <a:lstStyle>
+            <a:lvl1pPr marL="228600" indent="-228600" algn="l" defTabSz="914400" rtl="0" eaLnBrk="1" latinLnBrk="0" hangingPunct="1">
+              <a:lnSpc>
+                <a:spcPct val="100000"/>
+              </a:lnSpc>
+              <a:spcBef>
+                <a:spcPts val="1000"/>
+              </a:spcBef>
+              <a:buClr>
+                <a:schemeClr val="accent2"/>
+              </a:buClr>
+              <a:buFont typeface="Arial" panose="020B0604020202020204" pitchFamily="34" charset="0"/>
+              <a:buChar char="•"/>
+              <a:defRPr sz="1800" kern="1200">
+                <a:solidFill>
+                  <a:schemeClr val="tx1">
+                    <a:lumMod val="85000"/>
+                    <a:lumOff val="15000"/>
+                  </a:schemeClr>
+                </a:solidFill>
+                <a:latin typeface="+mn-lt"/>
+                <a:ea typeface="+mn-ea"/>
+                <a:cs typeface="+mn-cs"/>
+              </a:defRPr>
+            </a:lvl1pPr>
+            <a:lvl2pPr marL="457200" indent="-228600" algn="l" defTabSz="914400" rtl="0" eaLnBrk="1" latinLnBrk="0" hangingPunct="1">
+              <a:lnSpc>
+                <a:spcPct val="100000"/>
+              </a:lnSpc>
+              <a:spcBef>
+                <a:spcPts val="1000"/>
+              </a:spcBef>
+              <a:buClr>
+                <a:schemeClr val="accent2"/>
+              </a:buClr>
+              <a:buFont typeface="Arial" panose="020B0604020202020204" pitchFamily="34" charset="0"/>
+              <a:buChar char="•"/>
+              <a:defRPr sz="1600" kern="1200">
+                <a:solidFill>
+                  <a:schemeClr val="tx1">
+                    <a:lumMod val="85000"/>
+                    <a:lumOff val="15000"/>
+                  </a:schemeClr>
+                </a:solidFill>
+                <a:latin typeface="+mn-lt"/>
+                <a:ea typeface="+mn-ea"/>
+                <a:cs typeface="+mn-cs"/>
+              </a:defRPr>
+            </a:lvl2pPr>
+            <a:lvl3pPr marL="685800" indent="-228600" algn="l" defTabSz="914400" rtl="0" eaLnBrk="1" latinLnBrk="0" hangingPunct="1">
+              <a:lnSpc>
+                <a:spcPct val="100000"/>
+              </a:lnSpc>
+              <a:spcBef>
+                <a:spcPts val="1000"/>
+              </a:spcBef>
+              <a:buClr>
+                <a:schemeClr val="accent2"/>
+              </a:buClr>
+              <a:buFont typeface="Arial" panose="020B0604020202020204" pitchFamily="34" charset="0"/>
+              <a:buChar char="•"/>
+              <a:defRPr sz="1600" kern="1200">
+                <a:solidFill>
+                  <a:schemeClr val="tx1">
+                    <a:lumMod val="85000"/>
+                    <a:lumOff val="15000"/>
+                  </a:schemeClr>
+                </a:solidFill>
+                <a:latin typeface="+mn-lt"/>
+                <a:ea typeface="+mn-ea"/>
+                <a:cs typeface="+mn-cs"/>
+              </a:defRPr>
+            </a:lvl3pPr>
+            <a:lvl4pPr marL="914400" indent="-228600" algn="l" defTabSz="914400" rtl="0" eaLnBrk="1" latinLnBrk="0" hangingPunct="1">
+              <a:lnSpc>
+                <a:spcPct val="100000"/>
+              </a:lnSpc>
+              <a:spcBef>
+                <a:spcPts val="1000"/>
+              </a:spcBef>
+              <a:buClr>
+                <a:schemeClr val="accent2"/>
+              </a:buClr>
+              <a:buFont typeface="Arial" panose="020B0604020202020204" pitchFamily="34" charset="0"/>
+              <a:buChar char="•"/>
+              <a:defRPr sz="1600" kern="1200">
+                <a:solidFill>
+                  <a:schemeClr val="tx1">
+                    <a:lumMod val="85000"/>
+                    <a:lumOff val="15000"/>
+                  </a:schemeClr>
+                </a:solidFill>
+                <a:latin typeface="+mn-lt"/>
+                <a:ea typeface="+mn-ea"/>
+                <a:cs typeface="+mn-cs"/>
+              </a:defRPr>
+            </a:lvl4pPr>
+            <a:lvl5pPr marL="1143000" indent="-228600" algn="l" defTabSz="914400" rtl="0" eaLnBrk="1" latinLnBrk="0" hangingPunct="1">
+              <a:lnSpc>
+                <a:spcPct val="100000"/>
+              </a:lnSpc>
+              <a:spcBef>
+                <a:spcPts val="1000"/>
+              </a:spcBef>
+              <a:buClr>
+                <a:schemeClr val="accent2"/>
+              </a:buClr>
+              <a:buFont typeface="Arial" panose="020B0604020202020204" pitchFamily="34" charset="0"/>
+              <a:buChar char="•"/>
+              <a:defRPr sz="1600" kern="1200">
+                <a:solidFill>
+                  <a:schemeClr val="tx1">
+                    <a:lumMod val="85000"/>
+                    <a:lumOff val="15000"/>
+                  </a:schemeClr>
+                </a:solidFill>
+                <a:latin typeface="+mn-lt"/>
+                <a:ea typeface="+mn-ea"/>
+                <a:cs typeface="+mn-cs"/>
+              </a:defRPr>
+            </a:lvl5pPr>
+            <a:lvl6pPr marL="1312863" indent="-228600" algn="l" defTabSz="914400" rtl="0" eaLnBrk="1" latinLnBrk="0" hangingPunct="1">
+              <a:lnSpc>
+                <a:spcPct val="100000"/>
+              </a:lnSpc>
+              <a:spcBef>
+                <a:spcPts val="1000"/>
+              </a:spcBef>
+              <a:buClr>
+                <a:schemeClr val="accent2"/>
+              </a:buClr>
+              <a:buFont typeface="Arial" panose="020B0604020202020204" pitchFamily="34" charset="0"/>
+              <a:buChar char="•"/>
+              <a:defRPr sz="1600" kern="1200">
+                <a:solidFill>
+                  <a:schemeClr val="tx1"/>
+                </a:solidFill>
+                <a:latin typeface="+mn-lt"/>
+                <a:ea typeface="+mn-ea"/>
+                <a:cs typeface="+mn-cs"/>
+              </a:defRPr>
+            </a:lvl6pPr>
+            <a:lvl7pPr marL="1484313" indent="-228600" algn="l" defTabSz="914400" rtl="0" eaLnBrk="1" latinLnBrk="0" hangingPunct="1">
+              <a:lnSpc>
+                <a:spcPct val="100000"/>
+              </a:lnSpc>
+              <a:spcBef>
+                <a:spcPts val="1000"/>
+              </a:spcBef>
+              <a:buClr>
+                <a:schemeClr val="accent2"/>
+              </a:buClr>
+              <a:buFont typeface="Arial" panose="020B0604020202020204" pitchFamily="34" charset="0"/>
+              <a:buChar char="•"/>
+              <a:defRPr sz="1600" kern="1200">
+                <a:solidFill>
+                  <a:schemeClr val="tx1"/>
+                </a:solidFill>
+                <a:latin typeface="+mn-lt"/>
+                <a:ea typeface="+mn-ea"/>
+                <a:cs typeface="+mn-cs"/>
+              </a:defRPr>
+            </a:lvl7pPr>
+            <a:lvl8pPr marL="1657350" indent="-228600" algn="l" defTabSz="914400" rtl="0" eaLnBrk="1" latinLnBrk="0" hangingPunct="1">
+              <a:lnSpc>
+                <a:spcPct val="100000"/>
+              </a:lnSpc>
+              <a:spcBef>
+                <a:spcPts val="1000"/>
+              </a:spcBef>
+              <a:buClr>
+                <a:schemeClr val="accent2"/>
+              </a:buClr>
+              <a:buFont typeface="Arial" panose="020B0604020202020204" pitchFamily="34" charset="0"/>
+              <a:buChar char="•"/>
+              <a:defRPr sz="1600" kern="1200" baseline="0">
+                <a:solidFill>
+                  <a:schemeClr val="tx1"/>
+                </a:solidFill>
+                <a:latin typeface="+mn-lt"/>
+                <a:ea typeface="+mn-ea"/>
+                <a:cs typeface="+mn-cs"/>
+              </a:defRPr>
+            </a:lvl8pPr>
+            <a:lvl9pPr marL="1882775" indent="-228600" algn="l" defTabSz="914400" rtl="0" eaLnBrk="1" latinLnBrk="0" hangingPunct="1">
+              <a:lnSpc>
+                <a:spcPct val="100000"/>
+              </a:lnSpc>
+              <a:spcBef>
+                <a:spcPts val="1000"/>
+              </a:spcBef>
+              <a:buClr>
+                <a:schemeClr val="accent2"/>
+              </a:buClr>
+              <a:buFont typeface="Arial" panose="020B0604020202020204" pitchFamily="34" charset="0"/>
+              <a:buChar char="•"/>
+              <a:defRPr sz="1600" kern="1200" baseline="0">
+                <a:solidFill>
+                  <a:schemeClr val="tx1"/>
+                </a:solidFill>
+                <a:latin typeface="+mn-lt"/>
+                <a:ea typeface="+mn-ea"/>
+                <a:cs typeface="+mn-cs"/>
+              </a:defRPr>
+            </a:lvl9pPr>
+          </a:lstStyle>
+          <a:p>
+            <a:r>
+              <a:rPr lang="en-CA" dirty="0"/>
+              <a:t>Fever -&gt; {Flu, Malaria}</a:t>
+            </a:r>
+          </a:p>
+          <a:p>
+            <a:r>
+              <a:rPr lang="en-CA" dirty="0"/>
+              <a:t>Headache -&gt; {Cold}</a:t>
+            </a:r>
+          </a:p>
+          <a:p>
+            <a:r>
+              <a:rPr lang="en-CA" dirty="0"/>
+              <a:t>Joint Pain -&gt; {Cold, Food Poisoning, Malaria}</a:t>
+            </a:r>
+          </a:p>
+          <a:p>
+            <a:r>
+              <a:rPr lang="en-CA" dirty="0"/>
+              <a:t>Nausea -&gt; {Food Poisoning}</a:t>
+            </a:r>
+          </a:p>
+        </p:txBody>
+      </p:sp>
+    </p:spTree>
+    <p:extLst>
+      <p:ext uri="{BB962C8B-B14F-4D97-AF65-F5344CB8AC3E}">
+        <p14:creationId xmlns:p14="http://schemas.microsoft.com/office/powerpoint/2010/main" val="530396806"/>
+      </p:ext>
+    </p:extLst>
+  </p:cSld>
+  <p:clrMapOvr>
+    <a:masterClrMapping/>
+  </p:clrMapOvr>
+</p:sld>
+</file>
+
+<file path=ppt/slides/slide12.xml><?xml version="1.0" encoding="utf-8"?>
+<p:sld xmlns:a="http://schemas.openxmlformats.org/drawingml/2006/main" xmlns:r="http://schemas.openxmlformats.org/officeDocument/2006/relationships" xmlns:p="http://schemas.openxmlformats.org/presentationml/2006/main">
+  <p:cSld>
+    <p:spTree>
+      <p:nvGrpSpPr>
+        <p:cNvPr id="1" name=""/>
+        <p:cNvGrpSpPr/>
+        <p:nvPr/>
+      </p:nvGrpSpPr>
+      <p:grpSpPr>
+        <a:xfrm>
+          <a:off x="0" y="0"/>
+          <a:ext cx="0" cy="0"/>
+          <a:chOff x="0" y="0"/>
+          <a:chExt cx="0" cy="0"/>
+        </a:xfrm>
+      </p:grpSpPr>
+      <p:sp>
+        <p:nvSpPr>
+          <p:cNvPr id="2" name="Title 1">
+            <a:extLst>
+              <a:ext uri="{FF2B5EF4-FFF2-40B4-BE49-F238E27FC236}">
+                <a16:creationId xmlns:a16="http://schemas.microsoft.com/office/drawing/2014/main" id="{D69AC71E-943A-4A95-96FA-42FFA8410A6D}"/>
+              </a:ext>
+            </a:extLst>
+          </p:cNvPr>
+          <p:cNvSpPr>
+            <a:spLocks noGrp="1"/>
+          </p:cNvSpPr>
+          <p:nvPr>
+            <p:ph type="title"/>
+          </p:nvPr>
+        </p:nvSpPr>
+        <p:spPr>
+          <a:xfrm>
+            <a:off x="2231136" y="207947"/>
+            <a:ext cx="7729728" cy="1188720"/>
+          </a:xfrm>
+        </p:spPr>
+        <p:txBody>
+          <a:bodyPr/>
+          <a:lstStyle/>
+          <a:p>
+            <a:r>
+              <a:rPr lang="en-CA" dirty="0"/>
+              <a:t>Understanding check</a:t>
+            </a:r>
+          </a:p>
+        </p:txBody>
+      </p:sp>
+      <p:sp>
+        <p:nvSpPr>
+          <p:cNvPr id="3" name="Content Placeholder 2">
+            <a:extLst>
+              <a:ext uri="{FF2B5EF4-FFF2-40B4-BE49-F238E27FC236}">
+                <a16:creationId xmlns:a16="http://schemas.microsoft.com/office/drawing/2014/main" id="{FBF705BD-67B0-43A0-8624-75233E185CBA}"/>
+              </a:ext>
+            </a:extLst>
+          </p:cNvPr>
+          <p:cNvSpPr>
+            <a:spLocks noGrp="1"/>
+          </p:cNvSpPr>
+          <p:nvPr>
+            <p:ph idx="1"/>
+          </p:nvPr>
+        </p:nvSpPr>
+        <p:spPr>
+          <a:xfrm>
+            <a:off x="2231136" y="1396667"/>
+            <a:ext cx="7729728" cy="863057"/>
+          </a:xfrm>
+        </p:spPr>
+        <p:txBody>
+          <a:bodyPr/>
+          <a:lstStyle/>
+          <a:p>
+            <a:r>
+              <a:rPr lang="en-CA" dirty="0"/>
+              <a:t>Credible interval: Hold data constant, vary parameter</a:t>
+            </a:r>
+          </a:p>
+        </p:txBody>
+      </p:sp>
+      <p:sp>
+        <p:nvSpPr>
+          <p:cNvPr id="8" name="Rectangle 7">
+            <a:extLst>
+              <a:ext uri="{FF2B5EF4-FFF2-40B4-BE49-F238E27FC236}">
+                <a16:creationId xmlns:a16="http://schemas.microsoft.com/office/drawing/2014/main" id="{F4CFD7B4-E28F-48F0-A7FA-2239EEA06847}"/>
+              </a:ext>
+            </a:extLst>
+          </p:cNvPr>
+          <p:cNvSpPr/>
+          <p:nvPr/>
+        </p:nvSpPr>
+        <p:spPr>
+          <a:xfrm>
+            <a:off x="2016233" y="1828195"/>
+            <a:ext cx="5456622" cy="369332"/>
+          </a:xfrm>
+          <a:prstGeom prst="rect">
+            <a:avLst/>
+          </a:prstGeom>
+        </p:spPr>
+        <p:txBody>
+          <a:bodyPr wrap="square">
+            <a:spAutoFit/>
+          </a:bodyPr>
+          <a:lstStyle/>
+          <a:p>
+            <a:r>
+              <a:rPr lang="en-CA" dirty="0"/>
+              <a:t>Normalized based on symptom (rows add up to 100%)</a:t>
+            </a:r>
+          </a:p>
+        </p:txBody>
+      </p:sp>
+      <p:sp>
+        <p:nvSpPr>
+          <p:cNvPr id="9" name="Content Placeholder 2">
+            <a:extLst>
+              <a:ext uri="{FF2B5EF4-FFF2-40B4-BE49-F238E27FC236}">
+                <a16:creationId xmlns:a16="http://schemas.microsoft.com/office/drawing/2014/main" id="{8918CEC4-5017-421E-815D-A47636FB47A8}"/>
+              </a:ext>
+            </a:extLst>
+          </p:cNvPr>
+          <p:cNvSpPr txBox="1">
+            <a:spLocks/>
+          </p:cNvSpPr>
+          <p:nvPr/>
+        </p:nvSpPr>
+        <p:spPr>
+          <a:xfrm>
+            <a:off x="1477019" y="4660473"/>
+            <a:ext cx="9237962" cy="1715279"/>
+          </a:xfrm>
+          <a:prstGeom prst="rect">
+            <a:avLst/>
+          </a:prstGeom>
+        </p:spPr>
+        <p:txBody>
+          <a:bodyPr vert="horz" lIns="91440" tIns="45720" rIns="91440" bIns="45720" rtlCol="0">
+            <a:normAutofit/>
+          </a:bodyPr>
+          <a:lstStyle>
+            <a:lvl1pPr marL="228600" indent="-228600" algn="l" defTabSz="914400" rtl="0" eaLnBrk="1" latinLnBrk="0" hangingPunct="1">
+              <a:lnSpc>
+                <a:spcPct val="100000"/>
+              </a:lnSpc>
+              <a:spcBef>
+                <a:spcPts val="1000"/>
+              </a:spcBef>
+              <a:buClr>
+                <a:schemeClr val="accent2"/>
+              </a:buClr>
+              <a:buFont typeface="Arial" panose="020B0604020202020204" pitchFamily="34" charset="0"/>
+              <a:buChar char="•"/>
+              <a:defRPr sz="1800" kern="1200">
+                <a:solidFill>
+                  <a:schemeClr val="tx1">
+                    <a:lumMod val="85000"/>
+                    <a:lumOff val="15000"/>
+                  </a:schemeClr>
+                </a:solidFill>
+                <a:latin typeface="+mn-lt"/>
+                <a:ea typeface="+mn-ea"/>
+                <a:cs typeface="+mn-cs"/>
+              </a:defRPr>
+            </a:lvl1pPr>
+            <a:lvl2pPr marL="457200" indent="-228600" algn="l" defTabSz="914400" rtl="0" eaLnBrk="1" latinLnBrk="0" hangingPunct="1">
+              <a:lnSpc>
+                <a:spcPct val="100000"/>
+              </a:lnSpc>
+              <a:spcBef>
+                <a:spcPts val="1000"/>
+              </a:spcBef>
+              <a:buClr>
+                <a:schemeClr val="accent2"/>
+              </a:buClr>
+              <a:buFont typeface="Arial" panose="020B0604020202020204" pitchFamily="34" charset="0"/>
+              <a:buChar char="•"/>
+              <a:defRPr sz="1600" kern="1200">
+                <a:solidFill>
+                  <a:schemeClr val="tx1">
+                    <a:lumMod val="85000"/>
+                    <a:lumOff val="15000"/>
+                  </a:schemeClr>
+                </a:solidFill>
+                <a:latin typeface="+mn-lt"/>
+                <a:ea typeface="+mn-ea"/>
+                <a:cs typeface="+mn-cs"/>
+              </a:defRPr>
+            </a:lvl2pPr>
+            <a:lvl3pPr marL="685800" indent="-228600" algn="l" defTabSz="914400" rtl="0" eaLnBrk="1" latinLnBrk="0" hangingPunct="1">
+              <a:lnSpc>
+                <a:spcPct val="100000"/>
+              </a:lnSpc>
+              <a:spcBef>
+                <a:spcPts val="1000"/>
+              </a:spcBef>
+              <a:buClr>
+                <a:schemeClr val="accent2"/>
+              </a:buClr>
+              <a:buFont typeface="Arial" panose="020B0604020202020204" pitchFamily="34" charset="0"/>
+              <a:buChar char="•"/>
+              <a:defRPr sz="1600" kern="1200">
+                <a:solidFill>
+                  <a:schemeClr val="tx1">
+                    <a:lumMod val="85000"/>
+                    <a:lumOff val="15000"/>
+                  </a:schemeClr>
+                </a:solidFill>
+                <a:latin typeface="+mn-lt"/>
+                <a:ea typeface="+mn-ea"/>
+                <a:cs typeface="+mn-cs"/>
+              </a:defRPr>
+            </a:lvl3pPr>
+            <a:lvl4pPr marL="914400" indent="-228600" algn="l" defTabSz="914400" rtl="0" eaLnBrk="1" latinLnBrk="0" hangingPunct="1">
+              <a:lnSpc>
+                <a:spcPct val="100000"/>
+              </a:lnSpc>
+              <a:spcBef>
+                <a:spcPts val="1000"/>
+              </a:spcBef>
+              <a:buClr>
+                <a:schemeClr val="accent2"/>
+              </a:buClr>
+              <a:buFont typeface="Arial" panose="020B0604020202020204" pitchFamily="34" charset="0"/>
+              <a:buChar char="•"/>
+              <a:defRPr sz="1600" kern="1200">
+                <a:solidFill>
+                  <a:schemeClr val="tx1">
+                    <a:lumMod val="85000"/>
+                    <a:lumOff val="15000"/>
+                  </a:schemeClr>
+                </a:solidFill>
+                <a:latin typeface="+mn-lt"/>
+                <a:ea typeface="+mn-ea"/>
+                <a:cs typeface="+mn-cs"/>
+              </a:defRPr>
+            </a:lvl4pPr>
+            <a:lvl5pPr marL="1143000" indent="-228600" algn="l" defTabSz="914400" rtl="0" eaLnBrk="1" latinLnBrk="0" hangingPunct="1">
+              <a:lnSpc>
+                <a:spcPct val="100000"/>
+              </a:lnSpc>
+              <a:spcBef>
+                <a:spcPts val="1000"/>
+              </a:spcBef>
+              <a:buClr>
+                <a:schemeClr val="accent2"/>
+              </a:buClr>
+              <a:buFont typeface="Arial" panose="020B0604020202020204" pitchFamily="34" charset="0"/>
+              <a:buChar char="•"/>
+              <a:defRPr sz="1600" kern="1200">
+                <a:solidFill>
+                  <a:schemeClr val="tx1">
+                    <a:lumMod val="85000"/>
+                    <a:lumOff val="15000"/>
+                  </a:schemeClr>
+                </a:solidFill>
+                <a:latin typeface="+mn-lt"/>
+                <a:ea typeface="+mn-ea"/>
+                <a:cs typeface="+mn-cs"/>
+              </a:defRPr>
+            </a:lvl5pPr>
+            <a:lvl6pPr marL="1312863" indent="-228600" algn="l" defTabSz="914400" rtl="0" eaLnBrk="1" latinLnBrk="0" hangingPunct="1">
+              <a:lnSpc>
+                <a:spcPct val="100000"/>
+              </a:lnSpc>
+              <a:spcBef>
+                <a:spcPts val="1000"/>
+              </a:spcBef>
+              <a:buClr>
+                <a:schemeClr val="accent2"/>
+              </a:buClr>
+              <a:buFont typeface="Arial" panose="020B0604020202020204" pitchFamily="34" charset="0"/>
+              <a:buChar char="•"/>
+              <a:defRPr sz="1600" kern="1200">
+                <a:solidFill>
+                  <a:schemeClr val="tx1"/>
+                </a:solidFill>
+                <a:latin typeface="+mn-lt"/>
+                <a:ea typeface="+mn-ea"/>
+                <a:cs typeface="+mn-cs"/>
+              </a:defRPr>
+            </a:lvl6pPr>
+            <a:lvl7pPr marL="1484313" indent="-228600" algn="l" defTabSz="914400" rtl="0" eaLnBrk="1" latinLnBrk="0" hangingPunct="1">
+              <a:lnSpc>
+                <a:spcPct val="100000"/>
+              </a:lnSpc>
+              <a:spcBef>
+                <a:spcPts val="1000"/>
+              </a:spcBef>
+              <a:buClr>
+                <a:schemeClr val="accent2"/>
+              </a:buClr>
+              <a:buFont typeface="Arial" panose="020B0604020202020204" pitchFamily="34" charset="0"/>
+              <a:buChar char="•"/>
+              <a:defRPr sz="1600" kern="1200">
+                <a:solidFill>
+                  <a:schemeClr val="tx1"/>
+                </a:solidFill>
+                <a:latin typeface="+mn-lt"/>
+                <a:ea typeface="+mn-ea"/>
+                <a:cs typeface="+mn-cs"/>
+              </a:defRPr>
+            </a:lvl7pPr>
+            <a:lvl8pPr marL="1657350" indent="-228600" algn="l" defTabSz="914400" rtl="0" eaLnBrk="1" latinLnBrk="0" hangingPunct="1">
+              <a:lnSpc>
+                <a:spcPct val="100000"/>
+              </a:lnSpc>
+              <a:spcBef>
+                <a:spcPts val="1000"/>
+              </a:spcBef>
+              <a:buClr>
+                <a:schemeClr val="accent2"/>
+              </a:buClr>
+              <a:buFont typeface="Arial" panose="020B0604020202020204" pitchFamily="34" charset="0"/>
+              <a:buChar char="•"/>
+              <a:defRPr sz="1600" kern="1200" baseline="0">
+                <a:solidFill>
+                  <a:schemeClr val="tx1"/>
+                </a:solidFill>
+                <a:latin typeface="+mn-lt"/>
+                <a:ea typeface="+mn-ea"/>
+                <a:cs typeface="+mn-cs"/>
+              </a:defRPr>
+            </a:lvl8pPr>
+            <a:lvl9pPr marL="1882775" indent="-228600" algn="l" defTabSz="914400" rtl="0" eaLnBrk="1" latinLnBrk="0" hangingPunct="1">
+              <a:lnSpc>
+                <a:spcPct val="100000"/>
+              </a:lnSpc>
+              <a:spcBef>
+                <a:spcPts val="1000"/>
+              </a:spcBef>
+              <a:buClr>
+                <a:schemeClr val="accent2"/>
+              </a:buClr>
+              <a:buFont typeface="Arial" panose="020B0604020202020204" pitchFamily="34" charset="0"/>
+              <a:buChar char="•"/>
+              <a:defRPr sz="1600" kern="1200" baseline="0">
+                <a:solidFill>
+                  <a:schemeClr val="tx1"/>
+                </a:solidFill>
+                <a:latin typeface="+mn-lt"/>
+                <a:ea typeface="+mn-ea"/>
+                <a:cs typeface="+mn-cs"/>
+              </a:defRPr>
+            </a:lvl9pPr>
+          </a:lstStyle>
+          <a:p>
+            <a:r>
+              <a:rPr lang="en-CA" dirty="0"/>
+              <a:t>Fever -&gt; {Flu, Malaria}</a:t>
+            </a:r>
+          </a:p>
+          <a:p>
+            <a:r>
+              <a:rPr lang="en-CA" dirty="0"/>
+              <a:t>Headache -&gt; {Cold, Malaria}</a:t>
+            </a:r>
+          </a:p>
+          <a:p>
+            <a:r>
+              <a:rPr lang="en-CA" dirty="0"/>
+              <a:t>Joint Pain -&gt; {Flu, Food Poisoning, Malaria}</a:t>
+            </a:r>
+          </a:p>
+          <a:p>
+            <a:r>
+              <a:rPr lang="en-CA" dirty="0"/>
+              <a:t>Nausea -&gt; {Food Poisoning}</a:t>
+            </a:r>
+          </a:p>
+        </p:txBody>
+      </p:sp>
+      <p:graphicFrame>
+        <p:nvGraphicFramePr>
+          <p:cNvPr id="10" name="Table 4">
+            <a:extLst>
+              <a:ext uri="{FF2B5EF4-FFF2-40B4-BE49-F238E27FC236}">
+                <a16:creationId xmlns:a16="http://schemas.microsoft.com/office/drawing/2014/main" id="{736381D4-B393-4CA2-9250-06C3E1739125}"/>
+              </a:ext>
+            </a:extLst>
+          </p:cNvPr>
+          <p:cNvGraphicFramePr>
+            <a:graphicFrameLocks noGrp="1"/>
+          </p:cNvGraphicFramePr>
+          <p:nvPr>
+            <p:extLst>
+              <p:ext uri="{D42A27DB-BD31-4B8C-83A1-F6EECF244321}">
+                <p14:modId xmlns:p14="http://schemas.microsoft.com/office/powerpoint/2010/main" val="20455292"/>
+              </p:ext>
+            </p:extLst>
+          </p:nvPr>
+        </p:nvGraphicFramePr>
+        <p:xfrm>
+          <a:off x="1921640" y="2308608"/>
+          <a:ext cx="8128000" cy="2123440"/>
+        </p:xfrm>
+        <a:graphic>
+          <a:graphicData uri="http://schemas.openxmlformats.org/drawingml/2006/table">
+            <a:tbl>
+              <a:tblPr firstRow="1" bandRow="1">
+                <a:tableStyleId>{21E4AEA4-8DFA-4A89-87EB-49C32662AFE0}</a:tableStyleId>
+              </a:tblPr>
+              <a:tblGrid>
+                <a:gridCol w="1625600">
+                  <a:extLst>
+                    <a:ext uri="{9D8B030D-6E8A-4147-A177-3AD203B41FA5}">
+                      <a16:colId xmlns:a16="http://schemas.microsoft.com/office/drawing/2014/main" val="954395992"/>
+                    </a:ext>
+                  </a:extLst>
+                </a:gridCol>
+                <a:gridCol w="1625600">
+                  <a:extLst>
+                    <a:ext uri="{9D8B030D-6E8A-4147-A177-3AD203B41FA5}">
+                      <a16:colId xmlns:a16="http://schemas.microsoft.com/office/drawing/2014/main" val="3334094748"/>
+                    </a:ext>
+                  </a:extLst>
+                </a:gridCol>
+                <a:gridCol w="1625600">
+                  <a:extLst>
+                    <a:ext uri="{9D8B030D-6E8A-4147-A177-3AD203B41FA5}">
+                      <a16:colId xmlns:a16="http://schemas.microsoft.com/office/drawing/2014/main" val="3538566938"/>
+                    </a:ext>
+                  </a:extLst>
+                </a:gridCol>
+                <a:gridCol w="1625600">
+                  <a:extLst>
+                    <a:ext uri="{9D8B030D-6E8A-4147-A177-3AD203B41FA5}">
+                      <a16:colId xmlns:a16="http://schemas.microsoft.com/office/drawing/2014/main" val="3400876240"/>
+                    </a:ext>
+                  </a:extLst>
+                </a:gridCol>
+                <a:gridCol w="1625600">
+                  <a:extLst>
+                    <a:ext uri="{9D8B030D-6E8A-4147-A177-3AD203B41FA5}">
+                      <a16:colId xmlns:a16="http://schemas.microsoft.com/office/drawing/2014/main" val="1577969233"/>
+                    </a:ext>
+                  </a:extLst>
+                </a:gridCol>
+              </a:tblGrid>
+              <a:tr h="370840">
+                <a:tc>
+                  <a:txBody>
+                    <a:bodyPr/>
+                    <a:lstStyle/>
+                    <a:p>
+                      <a:endParaRPr lang="en-CA" dirty="0"/>
+                    </a:p>
+                  </a:txBody>
+                  <a:tcPr/>
+                </a:tc>
+                <a:tc>
+                  <a:txBody>
+                    <a:bodyPr/>
+                    <a:lstStyle/>
+                    <a:p>
+                      <a:r>
+                        <a:rPr lang="en-CA" dirty="0"/>
+                        <a:t>Cold</a:t>
+                      </a:r>
+                    </a:p>
+                  </a:txBody>
+                  <a:tcPr/>
+                </a:tc>
+                <a:tc>
+                  <a:txBody>
+                    <a:bodyPr/>
+                    <a:lstStyle/>
+                    <a:p>
+                      <a:r>
+                        <a:rPr lang="en-CA" dirty="0"/>
+                        <a:t>Flu</a:t>
+                      </a:r>
+                    </a:p>
+                  </a:txBody>
+                  <a:tcPr/>
+                </a:tc>
+                <a:tc>
+                  <a:txBody>
+                    <a:bodyPr/>
+                    <a:lstStyle/>
+                    <a:p>
+                      <a:r>
+                        <a:rPr lang="en-CA" dirty="0"/>
+                        <a:t>Food Poisoning</a:t>
+                      </a:r>
+                    </a:p>
+                  </a:txBody>
+                  <a:tcPr/>
+                </a:tc>
+                <a:tc>
+                  <a:txBody>
+                    <a:bodyPr/>
+                    <a:lstStyle/>
+                    <a:p>
+                      <a:r>
+                        <a:rPr lang="en-CA" dirty="0"/>
+                        <a:t>Malaria</a:t>
+                      </a:r>
+                    </a:p>
+                  </a:txBody>
+                  <a:tcPr/>
+                </a:tc>
+                <a:extLst>
+                  <a:ext uri="{0D108BD9-81ED-4DB2-BD59-A6C34878D82A}">
+                    <a16:rowId xmlns:a16="http://schemas.microsoft.com/office/drawing/2014/main" val="944310692"/>
+                  </a:ext>
+                </a:extLst>
+              </a:tr>
+              <a:tr h="370840">
+                <a:tc>
+                  <a:txBody>
+                    <a:bodyPr/>
+                    <a:lstStyle/>
+                    <a:p>
+                      <a:r>
+                        <a:rPr lang="en-CA" dirty="0"/>
+                        <a:t>Fever</a:t>
+                      </a:r>
+                    </a:p>
+                  </a:txBody>
+                  <a:tcPr/>
+                </a:tc>
+                <a:tc>
+                  <a:txBody>
+                    <a:bodyPr/>
+                    <a:lstStyle/>
+                    <a:p>
+                      <a:r>
+                        <a:rPr lang="en-CA" dirty="0"/>
+                        <a:t>7%</a:t>
+                      </a:r>
+                    </a:p>
+                  </a:txBody>
+                  <a:tcPr/>
+                </a:tc>
+                <a:tc>
+                  <a:txBody>
+                    <a:bodyPr/>
+                    <a:lstStyle/>
+                    <a:p>
+                      <a:r>
+                        <a:rPr lang="en-CA" dirty="0"/>
+                        <a:t>58%</a:t>
+                      </a:r>
+                    </a:p>
+                  </a:txBody>
+                  <a:tcPr/>
+                </a:tc>
+                <a:tc>
+                  <a:txBody>
+                    <a:bodyPr/>
+                    <a:lstStyle/>
+                    <a:p>
+                      <a:r>
+                        <a:rPr lang="en-CA" dirty="0"/>
+                        <a:t>7%</a:t>
+                      </a:r>
+                    </a:p>
+                  </a:txBody>
+                  <a:tcPr/>
+                </a:tc>
+                <a:tc>
+                  <a:txBody>
+                    <a:bodyPr/>
+                    <a:lstStyle/>
+                    <a:p>
+                      <a:r>
+                        <a:rPr lang="en-CA" dirty="0"/>
+                        <a:t>28%</a:t>
+                      </a:r>
+                    </a:p>
+                  </a:txBody>
+                  <a:tcPr/>
+                </a:tc>
+                <a:extLst>
+                  <a:ext uri="{0D108BD9-81ED-4DB2-BD59-A6C34878D82A}">
+                    <a16:rowId xmlns:a16="http://schemas.microsoft.com/office/drawing/2014/main" val="4151407985"/>
+                  </a:ext>
+                </a:extLst>
+              </a:tr>
+              <a:tr h="370840">
+                <a:tc>
+                  <a:txBody>
+                    <a:bodyPr/>
+                    <a:lstStyle/>
+                    <a:p>
+                      <a:r>
+                        <a:rPr lang="en-CA" dirty="0"/>
+                        <a:t>Headache</a:t>
+                      </a:r>
+                    </a:p>
+                  </a:txBody>
+                  <a:tcPr/>
+                </a:tc>
+                <a:tc>
+                  <a:txBody>
+                    <a:bodyPr/>
+                    <a:lstStyle/>
+                    <a:p>
+                      <a:r>
+                        <a:rPr lang="en-CA" dirty="0"/>
+                        <a:t>68%</a:t>
+                      </a:r>
+                    </a:p>
+                  </a:txBody>
+                  <a:tcPr/>
+                </a:tc>
+                <a:tc>
+                  <a:txBody>
+                    <a:bodyPr/>
+                    <a:lstStyle/>
+                    <a:p>
+                      <a:r>
+                        <a:rPr lang="en-CA" dirty="0"/>
+                        <a:t>10%</a:t>
+                      </a:r>
+                    </a:p>
+                  </a:txBody>
+                  <a:tcPr/>
+                </a:tc>
+                <a:tc>
+                  <a:txBody>
+                    <a:bodyPr/>
+                    <a:lstStyle/>
+                    <a:p>
+                      <a:r>
+                        <a:rPr lang="en-CA" dirty="0"/>
+                        <a:t>10%</a:t>
+                      </a:r>
+                    </a:p>
+                  </a:txBody>
+                  <a:tcPr/>
+                </a:tc>
+                <a:tc>
+                  <a:txBody>
+                    <a:bodyPr/>
+                    <a:lstStyle/>
+                    <a:p>
+                      <a:r>
+                        <a:rPr lang="en-CA" dirty="0"/>
+                        <a:t>12%</a:t>
+                      </a:r>
+                    </a:p>
+                  </a:txBody>
+                  <a:tcPr/>
+                </a:tc>
+                <a:extLst>
+                  <a:ext uri="{0D108BD9-81ED-4DB2-BD59-A6C34878D82A}">
+                    <a16:rowId xmlns:a16="http://schemas.microsoft.com/office/drawing/2014/main" val="949521255"/>
+                  </a:ext>
+                </a:extLst>
+              </a:tr>
+              <a:tr h="370840">
+                <a:tc>
+                  <a:txBody>
+                    <a:bodyPr/>
+                    <a:lstStyle/>
+                    <a:p>
+                      <a:r>
+                        <a:rPr lang="en-CA" dirty="0"/>
+                        <a:t>Joint Pain</a:t>
+                      </a:r>
+                    </a:p>
+                  </a:txBody>
+                  <a:tcPr/>
+                </a:tc>
+                <a:tc>
+                  <a:txBody>
+                    <a:bodyPr/>
+                    <a:lstStyle/>
+                    <a:p>
+                      <a:r>
+                        <a:rPr lang="en-CA" dirty="0"/>
+                        <a:t>18%</a:t>
+                      </a:r>
+                    </a:p>
+                  </a:txBody>
+                  <a:tcPr/>
+                </a:tc>
+                <a:tc>
+                  <a:txBody>
+                    <a:bodyPr/>
+                    <a:lstStyle/>
+                    <a:p>
+                      <a:r>
+                        <a:rPr lang="en-CA" dirty="0"/>
+                        <a:t>10%</a:t>
+                      </a:r>
+                    </a:p>
+                  </a:txBody>
+                  <a:tcPr/>
+                </a:tc>
+                <a:tc>
+                  <a:txBody>
+                    <a:bodyPr/>
+                    <a:lstStyle/>
+                    <a:p>
+                      <a:r>
+                        <a:rPr lang="en-CA" dirty="0"/>
+                        <a:t>20%</a:t>
+                      </a:r>
+                    </a:p>
+                  </a:txBody>
+                  <a:tcPr/>
+                </a:tc>
+                <a:tc>
+                  <a:txBody>
+                    <a:bodyPr/>
+                    <a:lstStyle/>
+                    <a:p>
+                      <a:r>
+                        <a:rPr lang="en-CA" dirty="0"/>
+                        <a:t>51%</a:t>
+                      </a:r>
+                    </a:p>
+                  </a:txBody>
+                  <a:tcPr/>
+                </a:tc>
+                <a:extLst>
+                  <a:ext uri="{0D108BD9-81ED-4DB2-BD59-A6C34878D82A}">
+                    <a16:rowId xmlns:a16="http://schemas.microsoft.com/office/drawing/2014/main" val="531121261"/>
+                  </a:ext>
+                </a:extLst>
+              </a:tr>
+              <a:tr h="370840">
+                <a:tc>
+                  <a:txBody>
+                    <a:bodyPr/>
+                    <a:lstStyle/>
+                    <a:p>
+                      <a:r>
+                        <a:rPr lang="en-CA" dirty="0"/>
+                        <a:t>Nausea</a:t>
+                      </a:r>
+                    </a:p>
+                  </a:txBody>
+                  <a:tcPr/>
+                </a:tc>
+                <a:tc>
+                  <a:txBody>
+                    <a:bodyPr/>
+                    <a:lstStyle/>
+                    <a:p>
+                      <a:r>
+                        <a:rPr lang="en-CA" dirty="0"/>
+                        <a:t>6%</a:t>
+                      </a:r>
+                    </a:p>
+                  </a:txBody>
+                  <a:tcPr/>
+                </a:tc>
+                <a:tc>
+                  <a:txBody>
+                    <a:bodyPr/>
+                    <a:lstStyle/>
+                    <a:p>
+                      <a:r>
+                        <a:rPr lang="en-CA" dirty="0"/>
+                        <a:t>0%</a:t>
+                      </a:r>
+                    </a:p>
+                  </a:txBody>
+                  <a:tcPr/>
+                </a:tc>
+                <a:tc>
+                  <a:txBody>
+                    <a:bodyPr/>
+                    <a:lstStyle/>
+                    <a:p>
+                      <a:r>
+                        <a:rPr lang="en-CA" dirty="0"/>
+                        <a:t>94%</a:t>
+                      </a:r>
+                    </a:p>
+                  </a:txBody>
+                  <a:tcPr/>
+                </a:tc>
+                <a:tc>
+                  <a:txBody>
+                    <a:bodyPr/>
+                    <a:lstStyle/>
+                    <a:p>
+                      <a:r>
+                        <a:rPr lang="en-CA" dirty="0"/>
+                        <a:t>0%</a:t>
+                      </a:r>
+                    </a:p>
+                  </a:txBody>
+                  <a:tcPr/>
+                </a:tc>
+                <a:extLst>
+                  <a:ext uri="{0D108BD9-81ED-4DB2-BD59-A6C34878D82A}">
+                    <a16:rowId xmlns:a16="http://schemas.microsoft.com/office/drawing/2014/main" val="1467571143"/>
+                  </a:ext>
+                </a:extLst>
+              </a:tr>
+            </a:tbl>
+          </a:graphicData>
+        </a:graphic>
+      </p:graphicFrame>
+      <p:sp>
+        <p:nvSpPr>
+          <p:cNvPr id="11" name="Oval 10">
+            <a:extLst>
+              <a:ext uri="{FF2B5EF4-FFF2-40B4-BE49-F238E27FC236}">
+                <a16:creationId xmlns:a16="http://schemas.microsoft.com/office/drawing/2014/main" id="{6537D4BA-5AAB-42A0-86B7-E58D1C00EF9D}"/>
+              </a:ext>
+            </a:extLst>
+          </p:cNvPr>
+          <p:cNvSpPr/>
+          <p:nvPr/>
+        </p:nvSpPr>
+        <p:spPr>
+          <a:xfrm>
+            <a:off x="5144814" y="2895319"/>
+            <a:ext cx="651641" cy="428297"/>
+          </a:xfrm>
+          <a:prstGeom prst="ellipse">
+            <a:avLst/>
+          </a:prstGeom>
+          <a:noFill/>
+          <a:ln>
+            <a:solidFill>
+              <a:srgbClr val="FF0000"/>
+            </a:solidFill>
+          </a:ln>
+        </p:spPr>
+        <p:style>
+          <a:lnRef idx="2">
+            <a:schemeClr val="accent1">
+              <a:shade val="50000"/>
+            </a:schemeClr>
+          </a:lnRef>
+          <a:fillRef idx="1">
+            <a:schemeClr val="accent1"/>
+          </a:fillRef>
+          <a:effectRef idx="0">
+            <a:schemeClr val="accent1"/>
+          </a:effectRef>
+          <a:fontRef idx="minor">
+            <a:schemeClr val="lt1"/>
+          </a:fontRef>
+        </p:style>
+        <p:txBody>
+          <a:bodyPr rtlCol="0" anchor="ctr"/>
+          <a:lstStyle/>
+          <a:p>
+            <a:pPr algn="ctr"/>
+            <a:endParaRPr lang="en-CA"/>
+          </a:p>
+        </p:txBody>
+      </p:sp>
+      <p:sp>
+        <p:nvSpPr>
+          <p:cNvPr id="12" name="Oval 11">
+            <a:extLst>
+              <a:ext uri="{FF2B5EF4-FFF2-40B4-BE49-F238E27FC236}">
+                <a16:creationId xmlns:a16="http://schemas.microsoft.com/office/drawing/2014/main" id="{DFF7EA8B-8554-47C7-B4C0-5EB00EACB20B}"/>
+              </a:ext>
+            </a:extLst>
+          </p:cNvPr>
+          <p:cNvSpPr/>
+          <p:nvPr/>
+        </p:nvSpPr>
+        <p:spPr>
+          <a:xfrm>
+            <a:off x="8367988" y="2895319"/>
+            <a:ext cx="651641" cy="428297"/>
+          </a:xfrm>
+          <a:prstGeom prst="ellipse">
+            <a:avLst/>
+          </a:prstGeom>
+          <a:noFill/>
+          <a:ln>
+            <a:solidFill>
+              <a:srgbClr val="FF0000"/>
+            </a:solidFill>
+          </a:ln>
+        </p:spPr>
+        <p:style>
+          <a:lnRef idx="2">
+            <a:schemeClr val="accent1">
+              <a:shade val="50000"/>
+            </a:schemeClr>
+          </a:lnRef>
+          <a:fillRef idx="1">
+            <a:schemeClr val="accent1"/>
+          </a:fillRef>
+          <a:effectRef idx="0">
+            <a:schemeClr val="accent1"/>
+          </a:effectRef>
+          <a:fontRef idx="minor">
+            <a:schemeClr val="lt1"/>
+          </a:fontRef>
+        </p:style>
+        <p:txBody>
+          <a:bodyPr rtlCol="0" anchor="ctr"/>
+          <a:lstStyle/>
+          <a:p>
+            <a:pPr algn="ctr"/>
+            <a:endParaRPr lang="en-CA"/>
+          </a:p>
+        </p:txBody>
+      </p:sp>
+      <p:sp>
+        <p:nvSpPr>
+          <p:cNvPr id="13" name="Oval 12">
+            <a:extLst>
+              <a:ext uri="{FF2B5EF4-FFF2-40B4-BE49-F238E27FC236}">
+                <a16:creationId xmlns:a16="http://schemas.microsoft.com/office/drawing/2014/main" id="{6DF5E08B-A130-42D0-AA43-C0BA80FC26AE}"/>
+              </a:ext>
+            </a:extLst>
+          </p:cNvPr>
+          <p:cNvSpPr/>
+          <p:nvPr/>
+        </p:nvSpPr>
+        <p:spPr>
+          <a:xfrm>
+            <a:off x="8367988" y="3235386"/>
+            <a:ext cx="651641" cy="428297"/>
+          </a:xfrm>
+          <a:prstGeom prst="ellipse">
+            <a:avLst/>
+          </a:prstGeom>
+          <a:noFill/>
+          <a:ln>
+            <a:solidFill>
+              <a:srgbClr val="FF0000"/>
+            </a:solidFill>
+          </a:ln>
+        </p:spPr>
+        <p:style>
+          <a:lnRef idx="2">
+            <a:schemeClr val="accent1">
+              <a:shade val="50000"/>
+            </a:schemeClr>
+          </a:lnRef>
+          <a:fillRef idx="1">
+            <a:schemeClr val="accent1"/>
+          </a:fillRef>
+          <a:effectRef idx="0">
+            <a:schemeClr val="accent1"/>
+          </a:effectRef>
+          <a:fontRef idx="minor">
+            <a:schemeClr val="lt1"/>
+          </a:fontRef>
+        </p:style>
+        <p:txBody>
+          <a:bodyPr rtlCol="0" anchor="ctr"/>
+          <a:lstStyle/>
+          <a:p>
+            <a:pPr algn="ctr"/>
+            <a:endParaRPr lang="en-CA"/>
+          </a:p>
+        </p:txBody>
+      </p:sp>
+      <p:sp>
+        <p:nvSpPr>
+          <p:cNvPr id="14" name="Oval 13">
+            <a:extLst>
+              <a:ext uri="{FF2B5EF4-FFF2-40B4-BE49-F238E27FC236}">
+                <a16:creationId xmlns:a16="http://schemas.microsoft.com/office/drawing/2014/main" id="{570BF999-AB92-4391-8DA2-4E7FC3DC2F9F}"/>
+              </a:ext>
+            </a:extLst>
+          </p:cNvPr>
+          <p:cNvSpPr/>
+          <p:nvPr/>
+        </p:nvSpPr>
+        <p:spPr>
+          <a:xfrm>
+            <a:off x="8390762" y="3619568"/>
+            <a:ext cx="651641" cy="428297"/>
+          </a:xfrm>
+          <a:prstGeom prst="ellipse">
+            <a:avLst/>
+          </a:prstGeom>
+          <a:noFill/>
+          <a:ln>
+            <a:solidFill>
+              <a:srgbClr val="FF0000"/>
+            </a:solidFill>
+          </a:ln>
+        </p:spPr>
+        <p:style>
+          <a:lnRef idx="2">
+            <a:schemeClr val="accent1">
+              <a:shade val="50000"/>
+            </a:schemeClr>
+          </a:lnRef>
+          <a:fillRef idx="1">
+            <a:schemeClr val="accent1"/>
+          </a:fillRef>
+          <a:effectRef idx="0">
+            <a:schemeClr val="accent1"/>
+          </a:effectRef>
+          <a:fontRef idx="minor">
+            <a:schemeClr val="lt1"/>
+          </a:fontRef>
+        </p:style>
+        <p:txBody>
+          <a:bodyPr rtlCol="0" anchor="ctr"/>
+          <a:lstStyle/>
+          <a:p>
+            <a:pPr algn="ctr"/>
+            <a:endParaRPr lang="en-CA"/>
+          </a:p>
+        </p:txBody>
+      </p:sp>
+      <p:sp>
+        <p:nvSpPr>
+          <p:cNvPr id="15" name="Oval 14">
+            <a:extLst>
+              <a:ext uri="{FF2B5EF4-FFF2-40B4-BE49-F238E27FC236}">
+                <a16:creationId xmlns:a16="http://schemas.microsoft.com/office/drawing/2014/main" id="{D86B5AD8-1AE6-4188-9108-93D539B81B18}"/>
+              </a:ext>
+            </a:extLst>
+          </p:cNvPr>
+          <p:cNvSpPr/>
+          <p:nvPr/>
+        </p:nvSpPr>
+        <p:spPr>
+          <a:xfrm>
+            <a:off x="6821214" y="3663683"/>
+            <a:ext cx="651641" cy="428297"/>
+          </a:xfrm>
+          <a:prstGeom prst="ellipse">
+            <a:avLst/>
+          </a:prstGeom>
+          <a:noFill/>
+          <a:ln>
+            <a:solidFill>
+              <a:srgbClr val="FF0000"/>
+            </a:solidFill>
+          </a:ln>
+        </p:spPr>
+        <p:style>
+          <a:lnRef idx="2">
+            <a:schemeClr val="accent1">
+              <a:shade val="50000"/>
+            </a:schemeClr>
+          </a:lnRef>
+          <a:fillRef idx="1">
+            <a:schemeClr val="accent1"/>
+          </a:fillRef>
+          <a:effectRef idx="0">
+            <a:schemeClr val="accent1"/>
+          </a:effectRef>
+          <a:fontRef idx="minor">
+            <a:schemeClr val="lt1"/>
+          </a:fontRef>
+        </p:style>
+        <p:txBody>
+          <a:bodyPr rtlCol="0" anchor="ctr"/>
+          <a:lstStyle/>
+          <a:p>
+            <a:pPr algn="ctr"/>
+            <a:endParaRPr lang="en-CA"/>
+          </a:p>
+        </p:txBody>
+      </p:sp>
+      <p:sp>
+        <p:nvSpPr>
+          <p:cNvPr id="16" name="Oval 15">
+            <a:extLst>
+              <a:ext uri="{FF2B5EF4-FFF2-40B4-BE49-F238E27FC236}">
+                <a16:creationId xmlns:a16="http://schemas.microsoft.com/office/drawing/2014/main" id="{2DBA1B2F-EF40-4C20-8F55-3A70E08C5BEB}"/>
+              </a:ext>
+            </a:extLst>
+          </p:cNvPr>
+          <p:cNvSpPr/>
+          <p:nvPr/>
+        </p:nvSpPr>
+        <p:spPr>
+          <a:xfrm>
+            <a:off x="5162336" y="3619567"/>
+            <a:ext cx="651641" cy="428297"/>
+          </a:xfrm>
+          <a:prstGeom prst="ellipse">
+            <a:avLst/>
+          </a:prstGeom>
+          <a:noFill/>
+          <a:ln>
+            <a:solidFill>
+              <a:srgbClr val="FF0000"/>
+            </a:solidFill>
+          </a:ln>
+        </p:spPr>
+        <p:style>
+          <a:lnRef idx="2">
+            <a:schemeClr val="accent1">
+              <a:shade val="50000"/>
+            </a:schemeClr>
+          </a:lnRef>
+          <a:fillRef idx="1">
+            <a:schemeClr val="accent1"/>
+          </a:fillRef>
+          <a:effectRef idx="0">
+            <a:schemeClr val="accent1"/>
+          </a:effectRef>
+          <a:fontRef idx="minor">
+            <a:schemeClr val="lt1"/>
+          </a:fontRef>
+        </p:style>
+        <p:txBody>
+          <a:bodyPr rtlCol="0" anchor="ctr"/>
+          <a:lstStyle/>
+          <a:p>
+            <a:pPr algn="ctr"/>
+            <a:endParaRPr lang="en-CA"/>
+          </a:p>
+        </p:txBody>
+      </p:sp>
+      <p:sp>
+        <p:nvSpPr>
+          <p:cNvPr id="17" name="Oval 16">
+            <a:extLst>
+              <a:ext uri="{FF2B5EF4-FFF2-40B4-BE49-F238E27FC236}">
+                <a16:creationId xmlns:a16="http://schemas.microsoft.com/office/drawing/2014/main" id="{9167B0AB-54F8-4F79-A6E2-ED45398EC37F}"/>
+              </a:ext>
+            </a:extLst>
+          </p:cNvPr>
+          <p:cNvSpPr/>
+          <p:nvPr/>
+        </p:nvSpPr>
+        <p:spPr>
+          <a:xfrm>
+            <a:off x="6821214" y="4087345"/>
+            <a:ext cx="651641" cy="428297"/>
+          </a:xfrm>
+          <a:prstGeom prst="ellipse">
+            <a:avLst/>
+          </a:prstGeom>
+          <a:noFill/>
+          <a:ln>
+            <a:solidFill>
+              <a:srgbClr val="FF0000"/>
+            </a:solidFill>
+          </a:ln>
+        </p:spPr>
+        <p:style>
+          <a:lnRef idx="2">
+            <a:schemeClr val="accent1">
+              <a:shade val="50000"/>
+            </a:schemeClr>
+          </a:lnRef>
+          <a:fillRef idx="1">
+            <a:schemeClr val="accent1"/>
+          </a:fillRef>
+          <a:effectRef idx="0">
+            <a:schemeClr val="accent1"/>
+          </a:effectRef>
+          <a:fontRef idx="minor">
+            <a:schemeClr val="lt1"/>
+          </a:fontRef>
+        </p:style>
+        <p:txBody>
+          <a:bodyPr rtlCol="0" anchor="ctr"/>
+          <a:lstStyle/>
+          <a:p>
+            <a:pPr algn="ctr"/>
+            <a:endParaRPr lang="en-CA"/>
+          </a:p>
+        </p:txBody>
+      </p:sp>
+      <p:sp>
+        <p:nvSpPr>
+          <p:cNvPr id="18" name="Oval 17">
+            <a:extLst>
+              <a:ext uri="{FF2B5EF4-FFF2-40B4-BE49-F238E27FC236}">
+                <a16:creationId xmlns:a16="http://schemas.microsoft.com/office/drawing/2014/main" id="{774061F1-6FAF-45FE-8F58-A93CA0CB68D2}"/>
+              </a:ext>
+            </a:extLst>
+          </p:cNvPr>
+          <p:cNvSpPr/>
+          <p:nvPr/>
+        </p:nvSpPr>
+        <p:spPr>
+          <a:xfrm>
+            <a:off x="3457911" y="3323649"/>
+            <a:ext cx="651641" cy="428297"/>
+          </a:xfrm>
+          <a:prstGeom prst="ellipse">
+            <a:avLst/>
+          </a:prstGeom>
+          <a:noFill/>
+          <a:ln>
+            <a:solidFill>
+              <a:srgbClr val="FF0000"/>
+            </a:solidFill>
+          </a:ln>
+        </p:spPr>
+        <p:style>
+          <a:lnRef idx="2">
+            <a:schemeClr val="accent1">
+              <a:shade val="50000"/>
+            </a:schemeClr>
+          </a:lnRef>
+          <a:fillRef idx="1">
+            <a:schemeClr val="accent1"/>
+          </a:fillRef>
+          <a:effectRef idx="0">
+            <a:schemeClr val="accent1"/>
+          </a:effectRef>
+          <a:fontRef idx="minor">
+            <a:schemeClr val="lt1"/>
+          </a:fontRef>
+        </p:style>
+        <p:txBody>
+          <a:bodyPr rtlCol="0" anchor="ctr"/>
+          <a:lstStyle/>
+          <a:p>
+            <a:pPr algn="ctr"/>
+            <a:endParaRPr lang="en-CA"/>
+          </a:p>
+        </p:txBody>
+      </p:sp>
+    </p:spTree>
+    <p:extLst>
+      <p:ext uri="{BB962C8B-B14F-4D97-AF65-F5344CB8AC3E}">
+        <p14:creationId xmlns:p14="http://schemas.microsoft.com/office/powerpoint/2010/main" val="1889317346"/>
+      </p:ext>
+    </p:extLst>
+  </p:cSld>
+  <p:clrMapOvr>
+    <a:masterClrMapping/>
+  </p:clrMapOvr>
+</p:sld>
+</file>
+
 <file path=ppt/slides/slide2.xml><?xml version="1.0" encoding="utf-8"?>
 <p:sld xmlns:a="http://schemas.openxmlformats.org/drawingml/2006/main" xmlns:r="http://schemas.openxmlformats.org/officeDocument/2006/relationships" xmlns:p="http://schemas.openxmlformats.org/presentationml/2006/main">
   <p:cSld>
@@ -8962,6 +12397,94 @@
 </file>
 
 <file path=ppt/slides/slide4.xml><?xml version="1.0" encoding="utf-8"?>
+<p:sld xmlns:a="http://schemas.openxmlformats.org/drawingml/2006/main" xmlns:r="http://schemas.openxmlformats.org/officeDocument/2006/relationships" xmlns:p="http://schemas.openxmlformats.org/presentationml/2006/main">
+  <p:cSld>
+    <p:spTree>
+      <p:nvGrpSpPr>
+        <p:cNvPr id="1" name=""/>
+        <p:cNvGrpSpPr/>
+        <p:nvPr/>
+      </p:nvGrpSpPr>
+      <p:grpSpPr>
+        <a:xfrm>
+          <a:off x="0" y="0"/>
+          <a:ext cx="0" cy="0"/>
+          <a:chOff x="0" y="0"/>
+          <a:chExt cx="0" cy="0"/>
+        </a:xfrm>
+      </p:grpSpPr>
+      <p:sp>
+        <p:nvSpPr>
+          <p:cNvPr id="2" name="Title 1">
+            <a:extLst>
+              <a:ext uri="{FF2B5EF4-FFF2-40B4-BE49-F238E27FC236}">
+                <a16:creationId xmlns:a16="http://schemas.microsoft.com/office/drawing/2014/main" id="{B9963292-0076-4D80-836B-32583098B0D1}"/>
+              </a:ext>
+            </a:extLst>
+          </p:cNvPr>
+          <p:cNvSpPr>
+            <a:spLocks noGrp="1"/>
+          </p:cNvSpPr>
+          <p:nvPr>
+            <p:ph type="title"/>
+          </p:nvPr>
+        </p:nvSpPr>
+        <p:spPr/>
+        <p:txBody>
+          <a:bodyPr/>
+          <a:lstStyle/>
+          <a:p>
+            <a:r>
+              <a:rPr lang="en-CA" dirty="0"/>
+              <a:t>Understanding check</a:t>
+            </a:r>
+          </a:p>
+        </p:txBody>
+      </p:sp>
+      <p:sp>
+        <p:nvSpPr>
+          <p:cNvPr id="3" name="Content Placeholder 2">
+            <a:extLst>
+              <a:ext uri="{FF2B5EF4-FFF2-40B4-BE49-F238E27FC236}">
+                <a16:creationId xmlns:a16="http://schemas.microsoft.com/office/drawing/2014/main" id="{69E3A5A6-AB4A-4E45-AADC-7D8AE2449A48}"/>
+              </a:ext>
+            </a:extLst>
+          </p:cNvPr>
+          <p:cNvSpPr>
+            <a:spLocks noGrp="1"/>
+          </p:cNvSpPr>
+          <p:nvPr>
+            <p:ph idx="1"/>
+          </p:nvPr>
+        </p:nvSpPr>
+        <p:spPr/>
+        <p:txBody>
+          <a:bodyPr>
+            <a:normAutofit/>
+          </a:bodyPr>
+          <a:lstStyle/>
+          <a:p>
+            <a:r>
+              <a:rPr lang="en-CA" sz="2800" dirty="0"/>
+              <a:t>We decide that something (the data, or the hypothesis) is totally impossible and has probability 0. What’s the problem with this in relation to Bayes theorem?</a:t>
+            </a:r>
+          </a:p>
+        </p:txBody>
+      </p:sp>
+    </p:spTree>
+    <p:extLst>
+      <p:ext uri="{BB962C8B-B14F-4D97-AF65-F5344CB8AC3E}">
+        <p14:creationId xmlns:p14="http://schemas.microsoft.com/office/powerpoint/2010/main" val="2795415989"/>
+      </p:ext>
+    </p:extLst>
+  </p:cSld>
+  <p:clrMapOvr>
+    <a:masterClrMapping/>
+  </p:clrMapOvr>
+</p:sld>
+</file>
+
+<file path=ppt/slides/slide5.xml><?xml version="1.0" encoding="utf-8"?>
 <p:sld xmlns:a="http://schemas.openxmlformats.org/drawingml/2006/main" xmlns:r="http://schemas.openxmlformats.org/officeDocument/2006/relationships" xmlns:p="http://schemas.openxmlformats.org/presentationml/2006/main">
   <p:cSld>
     <p:spTree>
@@ -10438,7 +13961,7 @@
 </p:sld>
 </file>
 
-<file path=ppt/slides/slide5.xml><?xml version="1.0" encoding="utf-8"?>
+<file path=ppt/slides/slide6.xml><?xml version="1.0" encoding="utf-8"?>
 <p:sld xmlns:a="http://schemas.openxmlformats.org/drawingml/2006/main" xmlns:r="http://schemas.openxmlformats.org/officeDocument/2006/relationships" xmlns:p="http://schemas.openxmlformats.org/presentationml/2006/main">
   <p:cSld>
     <p:spTree>
@@ -11159,7 +14682,95 @@
 </p:sld>
 </file>
 
-<file path=ppt/slides/slide6.xml><?xml version="1.0" encoding="utf-8"?>
+<file path=ppt/slides/slide7.xml><?xml version="1.0" encoding="utf-8"?>
+<p:sld xmlns:a="http://schemas.openxmlformats.org/drawingml/2006/main" xmlns:r="http://schemas.openxmlformats.org/officeDocument/2006/relationships" xmlns:p="http://schemas.openxmlformats.org/presentationml/2006/main">
+  <p:cSld>
+    <p:spTree>
+      <p:nvGrpSpPr>
+        <p:cNvPr id="1" name=""/>
+        <p:cNvGrpSpPr/>
+        <p:nvPr/>
+      </p:nvGrpSpPr>
+      <p:grpSpPr>
+        <a:xfrm>
+          <a:off x="0" y="0"/>
+          <a:ext cx="0" cy="0"/>
+          <a:chOff x="0" y="0"/>
+          <a:chExt cx="0" cy="0"/>
+        </a:xfrm>
+      </p:grpSpPr>
+      <p:sp>
+        <p:nvSpPr>
+          <p:cNvPr id="2" name="Title 1">
+            <a:extLst>
+              <a:ext uri="{FF2B5EF4-FFF2-40B4-BE49-F238E27FC236}">
+                <a16:creationId xmlns:a16="http://schemas.microsoft.com/office/drawing/2014/main" id="{B9963292-0076-4D80-836B-32583098B0D1}"/>
+              </a:ext>
+            </a:extLst>
+          </p:cNvPr>
+          <p:cNvSpPr>
+            <a:spLocks noGrp="1"/>
+          </p:cNvSpPr>
+          <p:nvPr>
+            <p:ph type="title"/>
+          </p:nvPr>
+        </p:nvSpPr>
+        <p:spPr/>
+        <p:txBody>
+          <a:bodyPr/>
+          <a:lstStyle/>
+          <a:p>
+            <a:r>
+              <a:rPr lang="en-CA" dirty="0"/>
+              <a:t>Understanding check</a:t>
+            </a:r>
+          </a:p>
+        </p:txBody>
+      </p:sp>
+      <p:sp>
+        <p:nvSpPr>
+          <p:cNvPr id="3" name="Content Placeholder 2">
+            <a:extLst>
+              <a:ext uri="{FF2B5EF4-FFF2-40B4-BE49-F238E27FC236}">
+                <a16:creationId xmlns:a16="http://schemas.microsoft.com/office/drawing/2014/main" id="{69E3A5A6-AB4A-4E45-AADC-7D8AE2449A48}"/>
+              </a:ext>
+            </a:extLst>
+          </p:cNvPr>
+          <p:cNvSpPr>
+            <a:spLocks noGrp="1"/>
+          </p:cNvSpPr>
+          <p:nvPr>
+            <p:ph idx="1"/>
+          </p:nvPr>
+        </p:nvSpPr>
+        <p:spPr/>
+        <p:txBody>
+          <a:bodyPr>
+            <a:normAutofit/>
+          </a:bodyPr>
+          <a:lstStyle/>
+          <a:p>
+            <a:r>
+              <a:rPr lang="en-CA" sz="2800" dirty="0"/>
+              <a:t>What do you think is one reasonable alternative to a uniform prior?</a:t>
+            </a:r>
+          </a:p>
+        </p:txBody>
+      </p:sp>
+    </p:spTree>
+    <p:extLst>
+      <p:ext uri="{BB962C8B-B14F-4D97-AF65-F5344CB8AC3E}">
+        <p14:creationId xmlns:p14="http://schemas.microsoft.com/office/powerpoint/2010/main" val="2508634487"/>
+      </p:ext>
+    </p:extLst>
+  </p:cSld>
+  <p:clrMapOvr>
+    <a:masterClrMapping/>
+  </p:clrMapOvr>
+</p:sld>
+</file>
+
+<file path=ppt/slides/slide8.xml><?xml version="1.0" encoding="utf-8"?>
 <p:sld xmlns:a="http://schemas.openxmlformats.org/drawingml/2006/main" xmlns:r="http://schemas.openxmlformats.org/officeDocument/2006/relationships" xmlns:p="http://schemas.openxmlformats.org/presentationml/2006/main">
   <p:cSld>
     <p:spTree>
@@ -12793,7 +16404,7 @@
 </p:sld>
 </file>
 
-<file path=ppt/slides/slide7.xml><?xml version="1.0" encoding="utf-8"?>
+<file path=ppt/slides/slide9.xml><?xml version="1.0" encoding="utf-8"?>
 <p:sld xmlns:a="http://schemas.openxmlformats.org/drawingml/2006/main" xmlns:r="http://schemas.openxmlformats.org/officeDocument/2006/relationships" xmlns:p="http://schemas.openxmlformats.org/presentationml/2006/main">
   <p:cSld>
     <p:spTree>
